--- a/INSIGHT_SLIDES/An_adaptation_of_hybrid_binary_optimization_algorithms_for_3_version_presentation_1 copy.pptx
+++ b/INSIGHT_SLIDES/An_adaptation_of_hybrid_binary_optimization_algorithms_for_3_version_presentation_1 copy.pptx
@@ -5,24 +5,27 @@
     <p:sldMasterId id="2147483648" r:id="rId1"/>
   </p:sldMasterIdLst>
   <p:notesMasterIdLst>
-    <p:notesMasterId r:id="rId18"/>
+    <p:notesMasterId r:id="rId20"/>
   </p:notesMasterIdLst>
   <p:sldIdLst>
-    <p:sldId id="256" r:id="rId3"/>
-    <p:sldId id="257" r:id="rId4"/>
-    <p:sldId id="258" r:id="rId5"/>
-    <p:sldId id="259" r:id="rId6"/>
-    <p:sldId id="262" r:id="rId7"/>
-    <p:sldId id="263" r:id="rId8"/>
-    <p:sldId id="260" r:id="rId9"/>
-    <p:sldId id="261" r:id="rId10"/>
-    <p:sldId id="274" r:id="rId11"/>
-    <p:sldId id="273" r:id="rId12"/>
-    <p:sldId id="267" r:id="rId13"/>
-    <p:sldId id="268" r:id="rId14"/>
-    <p:sldId id="269" r:id="rId15"/>
-    <p:sldId id="271" r:id="rId16"/>
-    <p:sldId id="272" r:id="rId17"/>
+    <p:sldId id="256" r:id="rId2"/>
+    <p:sldId id="257" r:id="rId3"/>
+    <p:sldId id="258" r:id="rId4"/>
+    <p:sldId id="259" r:id="rId5"/>
+    <p:sldId id="262" r:id="rId6"/>
+    <p:sldId id="263" r:id="rId7"/>
+    <p:sldId id="261" r:id="rId8"/>
+    <p:sldId id="274" r:id="rId9"/>
+    <p:sldId id="275" r:id="rId10"/>
+    <p:sldId id="276" r:id="rId11"/>
+    <p:sldId id="277" r:id="rId12"/>
+    <p:sldId id="278" r:id="rId13"/>
+    <p:sldId id="279" r:id="rId14"/>
+    <p:sldId id="280" r:id="rId15"/>
+    <p:sldId id="267" r:id="rId16"/>
+    <p:sldId id="268" r:id="rId17"/>
+    <p:sldId id="273" r:id="rId18"/>
+    <p:sldId id="272" r:id="rId19"/>
   </p:sldIdLst>
   <p:sldSz cx="12192000" cy="6858000"/>
   <p:notesSz cx="6858000" cy="9144000"/>
@@ -121,6 +124,11 @@
       </a:defRPr>
     </a:lvl9pPr>
   </p:defaultTextStyle>
+  <p:extLst>
+    <p:ext uri="{EFAFB233-063F-42B5-8137-9DF3F51BA10A}">
+      <p15:sldGuideLst xmlns:p15="http://schemas.microsoft.com/office/powerpoint/2012/main"/>
+    </p:ext>
+  </p:extLst>
 </p:presentation>
 </file>
 
@@ -206,6 +214,7 @@
           <a:p>
             <a:fld id="{1153700A-7E79-4E94-BA8F-2AD5C0C6B628}" type="datetimeFigureOut">
               <a:rPr lang="en-US" smtClean="0"/>
+              <a:t>8/1/25</a:t>
             </a:fld>
             <a:endParaRPr lang="en-US"/>
           </a:p>
@@ -272,7 +281,6 @@
               <a:rPr lang="en-US"/>
               <a:t>Click to edit Master text styles</a:t>
             </a:r>
-            <a:endParaRPr lang="en-US"/>
           </a:p>
           <a:p>
             <a:pPr lvl="1"/>
@@ -280,7 +288,6 @@
               <a:rPr lang="en-US"/>
               <a:t>Second level</a:t>
             </a:r>
-            <a:endParaRPr lang="en-US"/>
           </a:p>
           <a:p>
             <a:pPr lvl="2"/>
@@ -288,7 +295,6 @@
               <a:rPr lang="en-US"/>
               <a:t>Third level</a:t>
             </a:r>
-            <a:endParaRPr lang="en-US"/>
           </a:p>
           <a:p>
             <a:pPr lvl="3"/>
@@ -296,7 +302,6 @@
               <a:rPr lang="en-US"/>
               <a:t>Fourth level</a:t>
             </a:r>
-            <a:endParaRPr lang="en-US"/>
           </a:p>
           <a:p>
             <a:pPr lvl="4"/>
@@ -304,7 +309,6 @@
               <a:rPr lang="en-US"/>
               <a:t>Fifth level</a:t>
             </a:r>
-            <a:endParaRPr lang="en-US"/>
           </a:p>
         </p:txBody>
       </p:sp>
@@ -368,6 +372,7 @@
           <a:p>
             <a:fld id="{06BE082C-4750-4710-A208-96D8AB78094E}" type="slidenum">
               <a:rPr lang="en-US" smtClean="0"/>
+              <a:t>‹#›</a:t>
             </a:fld>
             <a:endParaRPr lang="en-US"/>
           </a:p>
@@ -522,7 +527,6 @@
               <a:rPr lang="en-US" dirty="0"/>
               <a:t>Click to Add Title</a:t>
             </a:r>
-            <a:endParaRPr lang="en-US" dirty="0"/>
           </a:p>
         </p:txBody>
       </p:sp>
@@ -593,7 +597,6 @@
               <a:rPr lang="en-US" dirty="0"/>
               <a:t>Click to add student’s details (Name and ID)</a:t>
             </a:r>
-            <a:endParaRPr lang="en-US" dirty="0"/>
           </a:p>
         </p:txBody>
       </p:sp>
@@ -658,6 +661,7 @@
           <a:p>
             <a:fld id="{2952E4F1-DCDC-4124-887F-984825FB1097}" type="datetime1">
               <a:rPr lang="en-US" smtClean="0"/>
+              <a:t>8/1/25</a:t>
             </a:fld>
             <a:endParaRPr lang="en-US" dirty="0"/>
           </a:p>
@@ -735,6 +739,7 @@
           <a:p>
             <a:fld id="{91203007-0B9D-40C6-9C3A-883002F2DA39}" type="slidenum">
               <a:rPr lang="en-US" smtClean="0"/>
+              <a:t>‹#›</a:t>
             </a:fld>
             <a:endParaRPr lang="en-US" dirty="0"/>
           </a:p>
@@ -896,7 +901,6 @@
               <a:rPr lang="en-GB"/>
               <a:t>Click to edit Master text styles</a:t>
             </a:r>
-            <a:endParaRPr lang="en-GB"/>
           </a:p>
           <a:p>
             <a:pPr lvl="1"/>
@@ -904,7 +908,6 @@
               <a:rPr lang="en-GB"/>
               <a:t>Second level</a:t>
             </a:r>
-            <a:endParaRPr lang="en-GB"/>
           </a:p>
           <a:p>
             <a:pPr lvl="2"/>
@@ -912,7 +915,6 @@
               <a:rPr lang="en-GB"/>
               <a:t>Third level</a:t>
             </a:r>
-            <a:endParaRPr lang="en-GB"/>
           </a:p>
           <a:p>
             <a:pPr lvl="3"/>
@@ -920,7 +922,6 @@
               <a:rPr lang="en-GB"/>
               <a:t>Fourth level</a:t>
             </a:r>
-            <a:endParaRPr lang="en-GB"/>
           </a:p>
           <a:p>
             <a:pPr lvl="4"/>
@@ -949,6 +950,7 @@
           <a:p>
             <a:fld id="{AB121142-F866-4C9F-9888-889F7988D93E}" type="datetime1">
               <a:rPr lang="en-US" smtClean="0"/>
+              <a:t>8/1/25</a:t>
             </a:fld>
             <a:endParaRPr lang="en-US"/>
           </a:p>
@@ -990,6 +992,7 @@
           <a:p>
             <a:fld id="{91203007-0B9D-40C6-9C3A-883002F2DA39}" type="slidenum">
               <a:rPr lang="en-US" smtClean="0"/>
+              <a:t>‹#›</a:t>
             </a:fld>
             <a:endParaRPr lang="en-US"/>
           </a:p>
@@ -1101,7 +1104,6 @@
               <a:rPr lang="en-GB"/>
               <a:t>Click to edit Master text styles</a:t>
             </a:r>
-            <a:endParaRPr lang="en-GB"/>
           </a:p>
           <a:p>
             <a:pPr lvl="1"/>
@@ -1109,7 +1111,6 @@
               <a:rPr lang="en-GB"/>
               <a:t>Second level</a:t>
             </a:r>
-            <a:endParaRPr lang="en-GB"/>
           </a:p>
           <a:p>
             <a:pPr lvl="2"/>
@@ -1117,7 +1118,6 @@
               <a:rPr lang="en-GB"/>
               <a:t>Third level</a:t>
             </a:r>
-            <a:endParaRPr lang="en-GB"/>
           </a:p>
           <a:p>
             <a:pPr lvl="3"/>
@@ -1125,7 +1125,6 @@
               <a:rPr lang="en-GB"/>
               <a:t>Fourth level</a:t>
             </a:r>
-            <a:endParaRPr lang="en-GB"/>
           </a:p>
           <a:p>
             <a:pPr lvl="4"/>
@@ -1286,6 +1285,7 @@
           <a:p>
             <a:fld id="{79C81462-5BA4-4E32-B5B9-1A0E4490F082}" type="datetime1">
               <a:rPr lang="en-US" smtClean="0"/>
+              <a:t>8/1/25</a:t>
             </a:fld>
             <a:endParaRPr lang="en-US" dirty="0"/>
           </a:p>
@@ -1353,6 +1353,7 @@
           <a:p>
             <a:fld id="{91203007-0B9D-40C6-9C3A-883002F2DA39}" type="slidenum">
               <a:rPr lang="en-US" smtClean="0"/>
+              <a:t>‹#›</a:t>
             </a:fld>
             <a:endParaRPr lang="en-US" dirty="0"/>
           </a:p>
@@ -1557,6 +1558,7 @@
           <a:p>
             <a:fld id="{79C81462-5BA4-4E32-B5B9-1A0E4490F082}" type="datetime1">
               <a:rPr lang="en-US" smtClean="0"/>
+              <a:t>8/1/25</a:t>
             </a:fld>
             <a:endParaRPr lang="en-US" dirty="0"/>
           </a:p>
@@ -1624,6 +1626,7 @@
           <a:p>
             <a:fld id="{91203007-0B9D-40C6-9C3A-883002F2DA39}" type="slidenum">
               <a:rPr lang="en-US" smtClean="0"/>
+              <a:t>‹#›</a:t>
             </a:fld>
             <a:endParaRPr lang="en-US" dirty="0"/>
           </a:p>
@@ -1702,7 +1705,6 @@
               <a:rPr lang="en-GB"/>
               <a:t>Click to edit Master text styles</a:t>
             </a:r>
-            <a:endParaRPr lang="en-GB"/>
           </a:p>
           <a:p>
             <a:pPr lvl="1"/>
@@ -1710,7 +1712,6 @@
               <a:rPr lang="en-GB"/>
               <a:t>Second level</a:t>
             </a:r>
-            <a:endParaRPr lang="en-GB"/>
           </a:p>
           <a:p>
             <a:pPr lvl="2"/>
@@ -1718,7 +1719,6 @@
               <a:rPr lang="en-GB"/>
               <a:t>Third level</a:t>
             </a:r>
-            <a:endParaRPr lang="en-GB"/>
           </a:p>
           <a:p>
             <a:pPr lvl="3"/>
@@ -1726,7 +1726,6 @@
               <a:rPr lang="en-GB"/>
               <a:t>Fourth level</a:t>
             </a:r>
-            <a:endParaRPr lang="en-GB"/>
           </a:p>
           <a:p>
             <a:pPr lvl="4"/>
@@ -1763,7 +1762,6 @@
               <a:rPr lang="en-GB"/>
               <a:t>Click to edit Master text styles</a:t>
             </a:r>
-            <a:endParaRPr lang="en-GB"/>
           </a:p>
           <a:p>
             <a:pPr lvl="1"/>
@@ -1771,7 +1769,6 @@
               <a:rPr lang="en-GB"/>
               <a:t>Second level</a:t>
             </a:r>
-            <a:endParaRPr lang="en-GB"/>
           </a:p>
           <a:p>
             <a:pPr lvl="2"/>
@@ -1779,7 +1776,6 @@
               <a:rPr lang="en-GB"/>
               <a:t>Third level</a:t>
             </a:r>
-            <a:endParaRPr lang="en-GB"/>
           </a:p>
           <a:p>
             <a:pPr lvl="3"/>
@@ -1787,7 +1783,6 @@
               <a:rPr lang="en-GB"/>
               <a:t>Fourth level</a:t>
             </a:r>
-            <a:endParaRPr lang="en-GB"/>
           </a:p>
           <a:p>
             <a:pPr lvl="4"/>
@@ -1906,6 +1901,7 @@
           <a:p>
             <a:fld id="{79C81462-5BA4-4E32-B5B9-1A0E4490F082}" type="datetime1">
               <a:rPr lang="en-US" smtClean="0"/>
+              <a:t>8/1/25</a:t>
             </a:fld>
             <a:endParaRPr lang="en-US" dirty="0"/>
           </a:p>
@@ -1973,6 +1969,7 @@
           <a:p>
             <a:fld id="{91203007-0B9D-40C6-9C3A-883002F2DA39}" type="slidenum">
               <a:rPr lang="en-US" smtClean="0"/>
+              <a:t>‹#›</a:t>
             </a:fld>
             <a:endParaRPr lang="en-US" dirty="0"/>
           </a:p>
@@ -2093,7 +2090,6 @@
               <a:rPr lang="en-GB"/>
               <a:t>Click to edit Master text styles</a:t>
             </a:r>
-            <a:endParaRPr lang="en-GB"/>
           </a:p>
         </p:txBody>
       </p:sp>
@@ -2122,7 +2118,6 @@
               <a:rPr lang="en-GB"/>
               <a:t>Click to edit Master text styles</a:t>
             </a:r>
-            <a:endParaRPr lang="en-GB"/>
           </a:p>
           <a:p>
             <a:pPr lvl="1"/>
@@ -2130,7 +2125,6 @@
               <a:rPr lang="en-GB"/>
               <a:t>Second level</a:t>
             </a:r>
-            <a:endParaRPr lang="en-GB"/>
           </a:p>
           <a:p>
             <a:pPr lvl="2"/>
@@ -2138,7 +2132,6 @@
               <a:rPr lang="en-GB"/>
               <a:t>Third level</a:t>
             </a:r>
-            <a:endParaRPr lang="en-GB"/>
           </a:p>
           <a:p>
             <a:pPr lvl="3"/>
@@ -2146,7 +2139,6 @@
               <a:rPr lang="en-GB"/>
               <a:t>Fourth level</a:t>
             </a:r>
-            <a:endParaRPr lang="en-GB"/>
           </a:p>
           <a:p>
             <a:pPr lvl="4"/>
@@ -2220,7 +2212,6 @@
               <a:rPr lang="en-GB"/>
               <a:t>Click to edit Master text styles</a:t>
             </a:r>
-            <a:endParaRPr lang="en-GB"/>
           </a:p>
         </p:txBody>
       </p:sp>
@@ -2249,7 +2240,6 @@
               <a:rPr lang="en-GB"/>
               <a:t>Click to edit Master text styles</a:t>
             </a:r>
-            <a:endParaRPr lang="en-GB"/>
           </a:p>
           <a:p>
             <a:pPr lvl="1"/>
@@ -2257,7 +2247,6 @@
               <a:rPr lang="en-GB"/>
               <a:t>Second level</a:t>
             </a:r>
-            <a:endParaRPr lang="en-GB"/>
           </a:p>
           <a:p>
             <a:pPr lvl="2"/>
@@ -2265,7 +2254,6 @@
               <a:rPr lang="en-GB"/>
               <a:t>Third level</a:t>
             </a:r>
-            <a:endParaRPr lang="en-GB"/>
           </a:p>
           <a:p>
             <a:pPr lvl="3"/>
@@ -2273,7 +2261,6 @@
               <a:rPr lang="en-GB"/>
               <a:t>Fourth level</a:t>
             </a:r>
-            <a:endParaRPr lang="en-GB"/>
           </a:p>
           <a:p>
             <a:pPr lvl="4"/>
@@ -2392,6 +2379,7 @@
           <a:p>
             <a:fld id="{79C81462-5BA4-4E32-B5B9-1A0E4490F082}" type="datetime1">
               <a:rPr lang="en-US" smtClean="0"/>
+              <a:t>8/1/25</a:t>
             </a:fld>
             <a:endParaRPr lang="en-US" dirty="0"/>
           </a:p>
@@ -2459,6 +2447,7 @@
           <a:p>
             <a:fld id="{91203007-0B9D-40C6-9C3A-883002F2DA39}" type="slidenum">
               <a:rPr lang="en-US" smtClean="0"/>
+              <a:t>‹#›</a:t>
             </a:fld>
             <a:endParaRPr lang="en-US" dirty="0"/>
           </a:p>
@@ -2596,6 +2585,7 @@
           <a:p>
             <a:fld id="{FC32295D-ED80-4D37-982D-53735C354506}" type="datetime1">
               <a:rPr lang="en-US" smtClean="0"/>
+              <a:t>8/1/25</a:t>
             </a:fld>
             <a:endParaRPr lang="en-US" dirty="0"/>
           </a:p>
@@ -2663,6 +2653,7 @@
           <a:p>
             <a:fld id="{91203007-0B9D-40C6-9C3A-883002F2DA39}" type="slidenum">
               <a:rPr lang="en-US" smtClean="0"/>
+              <a:t>‹#›</a:t>
             </a:fld>
             <a:endParaRPr lang="en-US" dirty="0"/>
           </a:p>
@@ -2800,6 +2791,7 @@
           <a:p>
             <a:fld id="{56B484EB-C819-4D05-95E5-B20D764666FC}" type="datetime1">
               <a:rPr lang="en-US" smtClean="0"/>
+              <a:t>8/1/25</a:t>
             </a:fld>
             <a:endParaRPr lang="en-US" dirty="0"/>
           </a:p>
@@ -2867,6 +2859,7 @@
           <a:p>
             <a:fld id="{91203007-0B9D-40C6-9C3A-883002F2DA39}" type="slidenum">
               <a:rPr lang="en-US" smtClean="0"/>
+              <a:t>‹#›</a:t>
             </a:fld>
             <a:endParaRPr lang="en-US" dirty="0"/>
           </a:p>
@@ -3102,7 +3095,6 @@
               <a:rPr lang="en-GB"/>
               <a:t>Click to edit Master text styles</a:t>
             </a:r>
-            <a:endParaRPr lang="en-GB"/>
           </a:p>
         </p:txBody>
       </p:sp>
@@ -3136,6 +3128,7 @@
           <a:p>
             <a:fld id="{0DCA318E-1343-45FB-9443-AF170622AAD3}" type="datetime1">
               <a:rPr lang="en-US" smtClean="0"/>
+              <a:t>8/1/25</a:t>
             </a:fld>
             <a:endParaRPr lang="en-US"/>
           </a:p>
@@ -3203,6 +3196,7 @@
           <a:p>
             <a:fld id="{91203007-0B9D-40C6-9C3A-883002F2DA39}" type="slidenum">
               <a:rPr lang="en-US" smtClean="0"/>
+              <a:t>‹#›</a:t>
             </a:fld>
             <a:endParaRPr lang="en-US"/>
           </a:p>
@@ -3307,7 +3301,6 @@
               <a:rPr lang="en-GB"/>
               <a:t>Click to edit Master text styles</a:t>
             </a:r>
-            <a:endParaRPr lang="en-GB"/>
           </a:p>
           <a:p>
             <a:pPr lvl="1"/>
@@ -3315,7 +3308,6 @@
               <a:rPr lang="en-GB"/>
               <a:t>Second level</a:t>
             </a:r>
-            <a:endParaRPr lang="en-GB"/>
           </a:p>
           <a:p>
             <a:pPr lvl="2"/>
@@ -3323,7 +3315,6 @@
               <a:rPr lang="en-GB"/>
               <a:t>Third level</a:t>
             </a:r>
-            <a:endParaRPr lang="en-GB"/>
           </a:p>
           <a:p>
             <a:pPr lvl="3"/>
@@ -3331,7 +3322,6 @@
               <a:rPr lang="en-GB"/>
               <a:t>Fourth level</a:t>
             </a:r>
-            <a:endParaRPr lang="en-GB"/>
           </a:p>
           <a:p>
             <a:pPr lvl="4"/>
@@ -3360,6 +3350,7 @@
           <a:p>
             <a:fld id="{D2D3A2E9-F451-4A17-A4CD-9A47B3BF2856}" type="datetime1">
               <a:rPr lang="en-US" smtClean="0"/>
+              <a:t>8/1/25</a:t>
             </a:fld>
             <a:endParaRPr lang="en-US"/>
           </a:p>
@@ -3401,6 +3392,7 @@
           <a:p>
             <a:fld id="{91203007-0B9D-40C6-9C3A-883002F2DA39}" type="slidenum">
               <a:rPr lang="en-US" smtClean="0"/>
+              <a:t>‹#›</a:t>
             </a:fld>
             <a:endParaRPr lang="en-US"/>
           </a:p>
@@ -3499,7 +3491,6 @@
               <a:rPr lang="en-GB"/>
               <a:t>Click to edit Master text styles</a:t>
             </a:r>
-            <a:endParaRPr lang="en-GB"/>
           </a:p>
           <a:p>
             <a:pPr lvl="1"/>
@@ -3507,7 +3498,6 @@
               <a:rPr lang="en-GB"/>
               <a:t>Second level</a:t>
             </a:r>
-            <a:endParaRPr lang="en-GB"/>
           </a:p>
           <a:p>
             <a:pPr lvl="2"/>
@@ -3515,7 +3505,6 @@
               <a:rPr lang="en-GB"/>
               <a:t>Third level</a:t>
             </a:r>
-            <a:endParaRPr lang="en-GB"/>
           </a:p>
           <a:p>
             <a:pPr lvl="3"/>
@@ -3523,7 +3512,6 @@
               <a:rPr lang="en-GB"/>
               <a:t>Fourth level</a:t>
             </a:r>
-            <a:endParaRPr lang="en-GB"/>
           </a:p>
           <a:p>
             <a:pPr lvl="4"/>
@@ -3570,6 +3558,7 @@
           <a:p>
             <a:fld id="{BEF8284E-FEEC-4CAE-842F-09187E826091}" type="datetime1">
               <a:rPr lang="en-US" smtClean="0"/>
+              <a:t>8/1/25</a:t>
             </a:fld>
             <a:endParaRPr lang="en-US"/>
           </a:p>
@@ -3647,6 +3636,7 @@
           <a:p>
             <a:fld id="{91203007-0B9D-40C6-9C3A-883002F2DA39}" type="slidenum">
               <a:rPr lang="en-US" smtClean="0"/>
+              <a:t>‹#›</a:t>
             </a:fld>
             <a:endParaRPr lang="en-US"/>
           </a:p>
@@ -4032,14 +4022,12 @@
               <a:rPr lang="en-US" dirty="0"/>
               <a:t>JUSTICE TETTEH(10981523)</a:t>
             </a:r>
-            <a:endParaRPr lang="en-US" dirty="0"/>
           </a:p>
           <a:p>
             <a:r>
               <a:rPr lang="en-US" dirty="0"/>
               <a:t>EMMANUELLA POKUAA DANSO(10980151)</a:t>
             </a:r>
-            <a:endParaRPr lang="en-US" dirty="0"/>
           </a:p>
         </p:txBody>
       </p:sp>
@@ -4070,7 +4058,13 @@
       </p:grpSpPr>
       <p:sp>
         <p:nvSpPr>
-          <p:cNvPr id="11" name="Title 1"/>
+          <p:cNvPr id="2" name="Title 1">
+            <a:extLst>
+              <a:ext uri="{FF2B5EF4-FFF2-40B4-BE49-F238E27FC236}">
+                <a16:creationId xmlns:a16="http://schemas.microsoft.com/office/drawing/2014/main" id="{BA238C92-2409-0915-3329-93759BD5382E}"/>
+              </a:ext>
+            </a:extLst>
+          </p:cNvPr>
           <p:cNvSpPr>
             <a:spLocks noGrp="1"/>
           </p:cNvSpPr>
@@ -4078,127 +4072,82 @@
             <p:ph type="title"/>
           </p:nvPr>
         </p:nvSpPr>
-        <p:spPr>
-          <a:xfrm>
-            <a:off x="839787" y="0"/>
-            <a:ext cx="3932237" cy="1600200"/>
-          </a:xfrm>
-        </p:spPr>
+        <p:spPr/>
         <p:txBody>
           <a:bodyPr/>
           <a:lstStyle/>
           <a:p>
             <a:r>
-              <a:rPr lang="en-US" dirty="0"/>
-              <a:t>RESULT INTERPRETATION</a:t>
-            </a:r>
+              <a:rPr lang="en-GH" dirty="0"/>
+              <a:t>Flow chat for ACO integration</a:t>
+            </a:r>
+          </a:p>
+        </p:txBody>
+      </p:sp>
+      <p:sp>
+        <p:nvSpPr>
+          <p:cNvPr id="4" name="Slide Number Placeholder 3">
+            <a:extLst>
+              <a:ext uri="{FF2B5EF4-FFF2-40B4-BE49-F238E27FC236}">
+                <a16:creationId xmlns:a16="http://schemas.microsoft.com/office/drawing/2014/main" id="{4A598E43-8352-B85D-F62D-A128848DB177}"/>
+              </a:ext>
+            </a:extLst>
+          </p:cNvPr>
+          <p:cNvSpPr>
+            <a:spLocks noGrp="1"/>
+          </p:cNvSpPr>
+          <p:nvPr>
+            <p:ph type="sldNum" sz="quarter" idx="12"/>
+          </p:nvPr>
+        </p:nvSpPr>
+        <p:spPr/>
+        <p:txBody>
+          <a:bodyPr/>
+          <a:lstStyle/>
+          <a:p>
+            <a:fld id="{91203007-0B9D-40C6-9C3A-883002F2DA39}" type="slidenum">
+              <a:rPr lang="en-US" smtClean="0"/>
+              <a:t>10</a:t>
+            </a:fld>
             <a:endParaRPr lang="en-US" dirty="0"/>
           </a:p>
         </p:txBody>
       </p:sp>
       <p:pic>
         <p:nvPicPr>
-          <p:cNvPr id="6" name="Content Placeholder 5"/>
+          <p:cNvPr id="5" name="Content Placeholder 4" descr="A diagram of a person's work flow&#10;&#10;AI-generated content may be incorrect.">
+            <a:extLst>
+              <a:ext uri="{FF2B5EF4-FFF2-40B4-BE49-F238E27FC236}">
+                <a16:creationId xmlns:a16="http://schemas.microsoft.com/office/drawing/2014/main" id="{01D01907-BC26-16FA-EEFD-E0768BD9093B}"/>
+              </a:ext>
+            </a:extLst>
+          </p:cNvPr>
           <p:cNvPicPr>
             <a:picLocks noGrp="1" noChangeAspect="1"/>
           </p:cNvPicPr>
           <p:nvPr>
-            <p:ph type="pic" idx="1"/>
+            <p:ph idx="1"/>
           </p:nvPr>
         </p:nvPicPr>
         <p:blipFill>
-          <a:blip r:embed="rId1">
-            <a:extLst>
-              <a:ext uri="{28A0092B-C50C-407E-A947-70E740481C1C}">
-                <a14:useLocalDpi xmlns:a14="http://schemas.microsoft.com/office/drawing/2010/main" val="0"/>
-              </a:ext>
-            </a:extLst>
-          </a:blip>
-          <a:srcRect/>
+          <a:blip r:embed="rId2"/>
           <a:stretch>
             <a:fillRect/>
           </a:stretch>
         </p:blipFill>
         <p:spPr>
           <a:xfrm>
-            <a:off x="2508885" y="1510030"/>
-            <a:ext cx="9683115" cy="4435475"/>
-          </a:xfrm>
-          <a:noFill/>
+            <a:off x="3254375" y="2522537"/>
+            <a:ext cx="5600700" cy="3111500"/>
+          </a:xfrm>
         </p:spPr>
       </p:pic>
-      <p:sp>
-        <p:nvSpPr>
-          <p:cNvPr id="13" name="Text Placeholder 3"/>
-          <p:cNvSpPr>
-            <a:spLocks noGrp="1"/>
-          </p:cNvSpPr>
-          <p:nvPr>
-            <p:ph type="body" sz="half" idx="2"/>
-          </p:nvPr>
-        </p:nvSpPr>
-        <p:spPr>
-          <a:xfrm>
-            <a:off x="839470" y="1880235"/>
-            <a:ext cx="1746885" cy="2459990"/>
-          </a:xfrm>
-        </p:spPr>
-        <p:txBody>
-          <a:bodyPr>
-            <a:normAutofit fontScale="60000"/>
-          </a:bodyPr>
-          <a:lstStyle/>
-          <a:p>
-            <a:r>
-              <a:rPr lang="en-GB" sz="2000" dirty="0"/>
-              <a:t>Evaluation of the HBEOSA-DMO, HBEOSA-DMO-NT, HBEOSA-PSO, HBEOSA-PSO-NT, BEOSA</a:t>
-            </a:r>
-            <a:endParaRPr lang="en-GB" sz="2000" dirty="0"/>
-          </a:p>
-          <a:p>
-            <a:r>
-              <a:rPr lang="en-GB" sz="2000" dirty="0"/>
-              <a:t> methods using Low-dimensional datasets on accuracy, fitness, cost function, and feature counts.</a:t>
-            </a:r>
-            <a:endParaRPr lang="en-US" sz="2000" dirty="0"/>
-          </a:p>
-        </p:txBody>
-      </p:sp>
-      <p:sp>
-        <p:nvSpPr>
-          <p:cNvPr id="4" name="Slide Number Placeholder 3"/>
-          <p:cNvSpPr>
-            <a:spLocks noGrp="1"/>
-          </p:cNvSpPr>
-          <p:nvPr>
-            <p:ph type="sldNum" sz="quarter" idx="12"/>
-          </p:nvPr>
-        </p:nvSpPr>
-        <p:spPr>
-          <a:xfrm>
-            <a:off x="8610600" y="6433984"/>
-            <a:ext cx="2743200" cy="365125"/>
-          </a:xfrm>
-        </p:spPr>
-        <p:txBody>
-          <a:bodyPr anchor="ctr">
-            <a:normAutofit/>
-          </a:bodyPr>
-          <a:lstStyle/>
-          <a:p>
-            <a:pPr>
-              <a:spcAft>
-                <a:spcPts val="600"/>
-              </a:spcAft>
-            </a:pPr>
-            <a:fld id="{91203007-0B9D-40C6-9C3A-883002F2DA39}" type="slidenum">
-              <a:rPr lang="en-US" smtClean="0"/>
-            </a:fld>
-            <a:endParaRPr lang="en-US"/>
-          </a:p>
-        </p:txBody>
-      </p:sp>
     </p:spTree>
+    <p:extLst>
+      <p:ext uri="{BB962C8B-B14F-4D97-AF65-F5344CB8AC3E}">
+        <p14:creationId xmlns:p14="http://schemas.microsoft.com/office/powerpoint/2010/main" val="208609763"/>
+      </p:ext>
+    </p:extLst>
   </p:cSld>
   <p:clrMapOvr>
     <a:masterClrMapping/>
@@ -4225,134 +4174,123 @@
       </p:grpSpPr>
       <p:sp>
         <p:nvSpPr>
-          <p:cNvPr id="11" name="Title 1"/>
-          <p:cNvSpPr>
-            <a:spLocks noGrp="1"/>
-          </p:cNvSpPr>
-          <p:nvPr>
-            <p:ph type="title"/>
-          </p:nvPr>
-        </p:nvSpPr>
-        <p:spPr>
-          <a:xfrm>
-            <a:off x="839787" y="0"/>
-            <a:ext cx="3932237" cy="1600200"/>
-          </a:xfrm>
-        </p:spPr>
-        <p:txBody>
-          <a:bodyPr/>
-          <a:lstStyle/>
-          <a:p>
-            <a:r>
-              <a:rPr lang="en-US" dirty="0"/>
-              <a:t>RESULT INTERPRETATION</a:t>
-            </a:r>
-            <a:endParaRPr lang="en-US" dirty="0"/>
-          </a:p>
-        </p:txBody>
-      </p:sp>
-      <p:pic>
-        <p:nvPicPr>
-          <p:cNvPr id="6" name="Content Placeholder 5" descr="A table of numbers with text&#10;&#10;Description automatically generated"/>
-          <p:cNvPicPr>
-            <a:picLocks noGrp="1" noChangeAspect="1"/>
-          </p:cNvPicPr>
-          <p:nvPr>
-            <p:ph type="pic" idx="1"/>
-          </p:nvPr>
-        </p:nvPicPr>
-        <p:blipFill>
-          <a:blip r:embed="rId1">
+          <p:cNvPr id="2" name="Title 1">
             <a:extLst>
-              <a:ext uri="{28A0092B-C50C-407E-A947-70E740481C1C}">
-                <a14:useLocalDpi xmlns:a14="http://schemas.microsoft.com/office/drawing/2010/main" val="0"/>
+              <a:ext uri="{FF2B5EF4-FFF2-40B4-BE49-F238E27FC236}">
+                <a16:creationId xmlns:a16="http://schemas.microsoft.com/office/drawing/2014/main" id="{70037929-A497-EB38-7D4B-77C24B3B756A}"/>
               </a:ext>
             </a:extLst>
-          </a:blip>
-          <a:stretch>
-            <a:fillRect/>
-          </a:stretch>
-        </p:blipFill>
-        <p:spPr>
-          <a:xfrm>
-            <a:off x="2740660" y="1510030"/>
-            <a:ext cx="9451340" cy="4435475"/>
-          </a:xfrm>
-          <a:noFill/>
-        </p:spPr>
-      </p:pic>
-      <p:sp>
-        <p:nvSpPr>
-          <p:cNvPr id="13" name="Text Placeholder 3"/>
-          <p:cNvSpPr>
-            <a:spLocks noGrp="1"/>
-          </p:cNvSpPr>
-          <p:nvPr>
-            <p:ph type="body" sz="half" idx="2"/>
-          </p:nvPr>
-        </p:nvSpPr>
-        <p:spPr>
-          <a:xfrm>
-            <a:off x="839470" y="1880235"/>
-            <a:ext cx="2053590" cy="2459990"/>
-          </a:xfrm>
-        </p:spPr>
+          </p:cNvPr>
+          <p:cNvSpPr>
+            <a:spLocks noGrp="1"/>
+          </p:cNvSpPr>
+          <p:nvPr>
+            <p:ph type="title"/>
+          </p:nvPr>
+        </p:nvSpPr>
+        <p:spPr/>
         <p:txBody>
           <a:bodyPr>
-            <a:normAutofit fontScale="70000"/>
-          </a:bodyPr>
-          <a:lstStyle/>
-          <a:p>
-            <a:r>
-              <a:rPr lang="en-GB" sz="2000" dirty="0"/>
-              <a:t>Evaluation of the HBEOSA-DMO, HBEOSA-DMO-NT, HBEOSA-PSO, HBEOSA-PSO-NT,  BEOSA</a:t>
-            </a:r>
-            <a:endParaRPr lang="en-GB" sz="2000" dirty="0"/>
-          </a:p>
-          <a:p>
-            <a:r>
-              <a:rPr lang="en-GB" sz="2000" dirty="0"/>
-              <a:t> methods using high-dimensional datasets on accuracy, fitness, cost function and feature counts.</a:t>
-            </a:r>
-            <a:endParaRPr lang="en-US" sz="2000" dirty="0"/>
-          </a:p>
-        </p:txBody>
-      </p:sp>
-      <p:sp>
-        <p:nvSpPr>
-          <p:cNvPr id="4" name="Slide Number Placeholder 3"/>
-          <p:cNvSpPr>
-            <a:spLocks noGrp="1"/>
-          </p:cNvSpPr>
-          <p:nvPr>
-            <p:ph type="sldNum" sz="quarter" idx="12"/>
-          </p:nvPr>
-        </p:nvSpPr>
-        <p:spPr>
-          <a:xfrm>
-            <a:off x="8610600" y="6433984"/>
-            <a:ext cx="2743200" cy="365125"/>
-          </a:xfrm>
-        </p:spPr>
-        <p:txBody>
-          <a:bodyPr anchor="ctr">
             <a:normAutofit/>
           </a:bodyPr>
           <a:lstStyle/>
           <a:p>
-            <a:pPr>
-              <a:spcAft>
-                <a:spcPts val="600"/>
-              </a:spcAft>
-            </a:pPr>
+            <a:r>
+              <a:rPr lang="en-GH" dirty="0"/>
+              <a:t>Why ACO strategy</a:t>
+            </a:r>
+          </a:p>
+        </p:txBody>
+      </p:sp>
+      <p:sp>
+        <p:nvSpPr>
+          <p:cNvPr id="3" name="Content Placeholder 2">
+            <a:extLst>
+              <a:ext uri="{FF2B5EF4-FFF2-40B4-BE49-F238E27FC236}">
+                <a16:creationId xmlns:a16="http://schemas.microsoft.com/office/drawing/2014/main" id="{1D3FEFB5-D910-197B-C88C-F369F3D55D02}"/>
+              </a:ext>
+            </a:extLst>
+          </p:cNvPr>
+          <p:cNvSpPr>
+            <a:spLocks noGrp="1"/>
+          </p:cNvSpPr>
+          <p:nvPr>
+            <p:ph idx="1"/>
+          </p:nvPr>
+        </p:nvSpPr>
+        <p:spPr/>
+        <p:txBody>
+          <a:bodyPr>
+            <a:normAutofit lnSpcReduction="10000"/>
+          </a:bodyPr>
+          <a:lstStyle/>
+          <a:p>
+            <a:r>
+              <a:rPr lang="en-GB" dirty="0"/>
+              <a:t>Uses binary encoding — same as BEOA.</a:t>
+            </a:r>
+          </a:p>
+          <a:p>
+            <a:r>
+              <a:rPr lang="en-GB" dirty="0"/>
+              <a:t>Each ACO run is stateless — resets every generation. Thus Learns which features are useful without prior knowledge.</a:t>
+            </a:r>
+          </a:p>
+          <a:p>
+            <a:r>
+              <a:rPr lang="en-GB" dirty="0"/>
+              <a:t>Feature subset length is flexible — aligns with BEOA dynamics.</a:t>
+            </a:r>
+          </a:p>
+          <a:p>
+            <a:r>
+              <a:rPr lang="en-GB" dirty="0"/>
+              <a:t>Can serve as a local exploitation mechanism in BEOA.</a:t>
+            </a:r>
+          </a:p>
+          <a:p>
+            <a:r>
+              <a:rPr lang="en-GB" dirty="0"/>
+              <a:t>Easily plugged in as a refinement phase after mutation/crossover.</a:t>
+            </a:r>
+          </a:p>
+        </p:txBody>
+      </p:sp>
+      <p:sp>
+        <p:nvSpPr>
+          <p:cNvPr id="4" name="Slide Number Placeholder 3">
+            <a:extLst>
+              <a:ext uri="{FF2B5EF4-FFF2-40B4-BE49-F238E27FC236}">
+                <a16:creationId xmlns:a16="http://schemas.microsoft.com/office/drawing/2014/main" id="{3D347E89-B576-6579-B7ED-C62D942207F3}"/>
+              </a:ext>
+            </a:extLst>
+          </p:cNvPr>
+          <p:cNvSpPr>
+            <a:spLocks noGrp="1"/>
+          </p:cNvSpPr>
+          <p:nvPr>
+            <p:ph type="sldNum" sz="quarter" idx="12"/>
+          </p:nvPr>
+        </p:nvSpPr>
+        <p:spPr/>
+        <p:txBody>
+          <a:bodyPr/>
+          <a:lstStyle/>
+          <a:p>
             <a:fld id="{91203007-0B9D-40C6-9C3A-883002F2DA39}" type="slidenum">
               <a:rPr lang="en-US" smtClean="0"/>
+              <a:t>11</a:t>
             </a:fld>
-            <a:endParaRPr lang="en-US"/>
+            <a:endParaRPr lang="en-US" dirty="0"/>
           </a:p>
         </p:txBody>
       </p:sp>
     </p:spTree>
+    <p:extLst>
+      <p:ext uri="{BB962C8B-B14F-4D97-AF65-F5344CB8AC3E}">
+        <p14:creationId xmlns:p14="http://schemas.microsoft.com/office/powerpoint/2010/main" val="4260641641"/>
+      </p:ext>
+    </p:extLst>
   </p:cSld>
   <p:clrMapOvr>
     <a:masterClrMapping/>
@@ -4379,7 +4317,13 @@
       </p:grpSpPr>
       <p:sp>
         <p:nvSpPr>
-          <p:cNvPr id="15" name="Title 1"/>
+          <p:cNvPr id="2" name="Title 1">
+            <a:extLst>
+              <a:ext uri="{FF2B5EF4-FFF2-40B4-BE49-F238E27FC236}">
+                <a16:creationId xmlns:a16="http://schemas.microsoft.com/office/drawing/2014/main" id="{945714C4-7718-06BD-4280-360DD1C9AA3F}"/>
+              </a:ext>
+            </a:extLst>
+          </p:cNvPr>
           <p:cNvSpPr>
             <a:spLocks noGrp="1"/>
           </p:cNvSpPr>
@@ -4387,124 +4331,112 @@
             <p:ph type="title"/>
           </p:nvPr>
         </p:nvSpPr>
-        <p:spPr>
-          <a:xfrm>
-            <a:off x="839788" y="0"/>
-            <a:ext cx="3932237" cy="1600200"/>
-          </a:xfrm>
-        </p:spPr>
+        <p:spPr/>
         <p:txBody>
           <a:bodyPr/>
           <a:lstStyle/>
           <a:p>
             <a:r>
-              <a:rPr lang="en-US" dirty="0"/>
-              <a:t>RESULT INTERPRETATION</a:t>
-            </a:r>
+              <a:rPr lang="en-GH" dirty="0"/>
+              <a:t>Results </a:t>
+            </a:r>
+          </a:p>
+        </p:txBody>
+      </p:sp>
+      <p:sp>
+        <p:nvSpPr>
+          <p:cNvPr id="4" name="Slide Number Placeholder 3">
+            <a:extLst>
+              <a:ext uri="{FF2B5EF4-FFF2-40B4-BE49-F238E27FC236}">
+                <a16:creationId xmlns:a16="http://schemas.microsoft.com/office/drawing/2014/main" id="{34952A4F-7EE5-FEB9-24E0-1CCB6ED583A6}"/>
+              </a:ext>
+            </a:extLst>
+          </p:cNvPr>
+          <p:cNvSpPr>
+            <a:spLocks noGrp="1"/>
+          </p:cNvSpPr>
+          <p:nvPr>
+            <p:ph type="sldNum" sz="quarter" idx="12"/>
+          </p:nvPr>
+        </p:nvSpPr>
+        <p:spPr/>
+        <p:txBody>
+          <a:bodyPr/>
+          <a:lstStyle/>
+          <a:p>
+            <a:fld id="{91203007-0B9D-40C6-9C3A-883002F2DA39}" type="slidenum">
+              <a:rPr lang="en-US" smtClean="0"/>
+              <a:t>12</a:t>
+            </a:fld>
             <a:endParaRPr lang="en-US" dirty="0"/>
           </a:p>
         </p:txBody>
       </p:sp>
       <p:pic>
         <p:nvPicPr>
-          <p:cNvPr id="6" name="Content Placeholder 5" descr="A table of numbers with text&#10;&#10;Description automatically generated"/>
+          <p:cNvPr id="5" name="Content Placeholder 7" descr="A table with numbers and symbols&#10;&#10;AI-generated content may be incorrect.">
+            <a:extLst>
+              <a:ext uri="{FF2B5EF4-FFF2-40B4-BE49-F238E27FC236}">
+                <a16:creationId xmlns:a16="http://schemas.microsoft.com/office/drawing/2014/main" id="{8342DF08-21A3-9AFD-F89B-14A7EC5A8372}"/>
+              </a:ext>
+            </a:extLst>
+          </p:cNvPr>
           <p:cNvPicPr>
             <a:picLocks noGrp="1" noChangeAspect="1"/>
           </p:cNvPicPr>
           <p:nvPr>
-            <p:ph type="pic" idx="1"/>
+            <p:ph idx="1"/>
           </p:nvPr>
         </p:nvPicPr>
         <p:blipFill>
-          <a:blip r:embed="rId1">
-            <a:extLst>
-              <a:ext uri="{28A0092B-C50C-407E-A947-70E740481C1C}">
-                <a14:useLocalDpi xmlns:a14="http://schemas.microsoft.com/office/drawing/2010/main" val="0"/>
-              </a:ext>
-            </a:extLst>
-          </a:blip>
+          <a:blip r:embed="rId2"/>
           <a:stretch>
             <a:fillRect/>
           </a:stretch>
         </p:blipFill>
         <p:spPr>
           <a:xfrm>
-            <a:off x="2781935" y="1534795"/>
-            <a:ext cx="9410065" cy="4373880"/>
-          </a:xfrm>
-          <a:noFill/>
+            <a:off x="215660" y="1607375"/>
+            <a:ext cx="11464276" cy="1821625"/>
+          </a:xfrm>
         </p:spPr>
       </p:pic>
-      <p:sp>
-        <p:nvSpPr>
-          <p:cNvPr id="16" name="Text Placeholder 3"/>
-          <p:cNvSpPr>
-            <a:spLocks noGrp="1"/>
-          </p:cNvSpPr>
-          <p:nvPr>
-            <p:ph type="body" sz="half" idx="2"/>
-          </p:nvPr>
-        </p:nvSpPr>
-        <p:spPr>
-          <a:xfrm>
-            <a:off x="840105" y="2057400"/>
-            <a:ext cx="2449830" cy="2677795"/>
-          </a:xfrm>
-        </p:spPr>
-        <p:txBody>
-          <a:bodyPr/>
-          <a:lstStyle/>
-          <a:p>
-            <a:r>
-              <a:rPr lang="en-GB" dirty="0"/>
-              <a:t>Evaluation of the HBEOSA-DMO, HBEOSA-DMO-NT, HBEOSA-PSO, HBEOSA-PSO-NT,  BEOSA </a:t>
-            </a:r>
-            <a:endParaRPr lang="en-GB" dirty="0"/>
-          </a:p>
-          <a:p>
-            <a:r>
-              <a:rPr lang="en-GB" dirty="0"/>
-              <a:t>methods using medium-dimensional datasets on accuracy, fitness, cost function, and feature counts.</a:t>
-            </a:r>
-            <a:endParaRPr lang="en-US" dirty="0"/>
-          </a:p>
-        </p:txBody>
-      </p:sp>
-      <p:sp>
-        <p:nvSpPr>
-          <p:cNvPr id="4" name="Slide Number Placeholder 3"/>
-          <p:cNvSpPr>
-            <a:spLocks noGrp="1"/>
-          </p:cNvSpPr>
-          <p:nvPr>
-            <p:ph type="sldNum" sz="quarter" idx="12"/>
-          </p:nvPr>
-        </p:nvSpPr>
-        <p:spPr>
-          <a:xfrm>
-            <a:off x="8610600" y="6433984"/>
-            <a:ext cx="2743200" cy="365125"/>
-          </a:xfrm>
-        </p:spPr>
-        <p:txBody>
-          <a:bodyPr anchor="ctr">
-            <a:normAutofit/>
-          </a:bodyPr>
-          <a:lstStyle/>
-          <a:p>
-            <a:pPr>
-              <a:spcAft>
-                <a:spcPts val="600"/>
-              </a:spcAft>
-            </a:pPr>
-            <a:fld id="{91203007-0B9D-40C6-9C3A-883002F2DA39}" type="slidenum">
-              <a:rPr lang="en-US" smtClean="0"/>
-            </a:fld>
-            <a:endParaRPr lang="en-US"/>
-          </a:p>
-        </p:txBody>
-      </p:sp>
+      <p:pic>
+        <p:nvPicPr>
+          <p:cNvPr id="6" name="Picture 5" descr="A screenshot of a graph&#10;&#10;AI-generated content may be incorrect.">
+            <a:extLst>
+              <a:ext uri="{FF2B5EF4-FFF2-40B4-BE49-F238E27FC236}">
+                <a16:creationId xmlns:a16="http://schemas.microsoft.com/office/drawing/2014/main" id="{5D626E51-B13F-858B-4F18-ABB71F095CA1}"/>
+              </a:ext>
+            </a:extLst>
+          </p:cNvPr>
+          <p:cNvPicPr>
+            <a:picLocks noChangeAspect="1"/>
+          </p:cNvPicPr>
+          <p:nvPr/>
+        </p:nvPicPr>
+        <p:blipFill>
+          <a:blip r:embed="rId3"/>
+          <a:stretch>
+            <a:fillRect/>
+          </a:stretch>
+        </p:blipFill>
+        <p:spPr>
+          <a:xfrm>
+            <a:off x="215660" y="3669759"/>
+            <a:ext cx="11464276" cy="2235919"/>
+          </a:xfrm>
+          <a:prstGeom prst="rect">
+            <a:avLst/>
+          </a:prstGeom>
+        </p:spPr>
+      </p:pic>
     </p:spTree>
+    <p:extLst>
+      <p:ext uri="{BB962C8B-B14F-4D97-AF65-F5344CB8AC3E}">
+        <p14:creationId xmlns:p14="http://schemas.microsoft.com/office/powerpoint/2010/main" val="1925322279"/>
+      </p:ext>
+    </p:extLst>
   </p:cSld>
   <p:clrMapOvr>
     <a:masterClrMapping/>
@@ -4531,7 +4463,13 @@
       </p:grpSpPr>
       <p:sp>
         <p:nvSpPr>
-          <p:cNvPr id="2" name="Title 1"/>
+          <p:cNvPr id="2" name="Title 1">
+            <a:extLst>
+              <a:ext uri="{FF2B5EF4-FFF2-40B4-BE49-F238E27FC236}">
+                <a16:creationId xmlns:a16="http://schemas.microsoft.com/office/drawing/2014/main" id="{9944D39A-4508-EB62-407C-7A033198BBFD}"/>
+              </a:ext>
+            </a:extLst>
+          </p:cNvPr>
           <p:cNvSpPr>
             <a:spLocks noGrp="1"/>
           </p:cNvSpPr>
@@ -4541,26 +4479,47 @@
         </p:nvSpPr>
         <p:spPr/>
         <p:txBody>
-          <a:bodyPr>
-            <a:normAutofit fontScale="90000"/>
-          </a:bodyPr>
-          <a:lstStyle/>
-          <a:p>
-            <a:r>
-              <a:rPr lang="en-US"/>
-              <a:t>FINAL RESULT </a:t>
-            </a:r>
-            <a:r>
-              <a:rPr lang="en-US" dirty="0"/>
-              <a:t>INTERPRETATION</a:t>
-            </a:r>
-            <a:endParaRPr lang="en-US" dirty="0"/>
-          </a:p>
-        </p:txBody>
-      </p:sp>
-      <p:sp>
-        <p:nvSpPr>
-          <p:cNvPr id="4" name="Slide Number Placeholder 3"/>
+          <a:bodyPr/>
+          <a:lstStyle/>
+          <a:p>
+            <a:endParaRPr lang="en-GH"/>
+          </a:p>
+        </p:txBody>
+      </p:sp>
+      <p:sp>
+        <p:nvSpPr>
+          <p:cNvPr id="3" name="Content Placeholder 2">
+            <a:extLst>
+              <a:ext uri="{FF2B5EF4-FFF2-40B4-BE49-F238E27FC236}">
+                <a16:creationId xmlns:a16="http://schemas.microsoft.com/office/drawing/2014/main" id="{76ED0492-C75F-FFC8-339C-93E26831B350}"/>
+              </a:ext>
+            </a:extLst>
+          </p:cNvPr>
+          <p:cNvSpPr>
+            <a:spLocks noGrp="1"/>
+          </p:cNvSpPr>
+          <p:nvPr>
+            <p:ph idx="1"/>
+          </p:nvPr>
+        </p:nvSpPr>
+        <p:spPr/>
+        <p:txBody>
+          <a:bodyPr/>
+          <a:lstStyle/>
+          <a:p>
+            <a:endParaRPr lang="en-GH"/>
+          </a:p>
+        </p:txBody>
+      </p:sp>
+      <p:sp>
+        <p:nvSpPr>
+          <p:cNvPr id="4" name="Slide Number Placeholder 3">
+            <a:extLst>
+              <a:ext uri="{FF2B5EF4-FFF2-40B4-BE49-F238E27FC236}">
+                <a16:creationId xmlns:a16="http://schemas.microsoft.com/office/drawing/2014/main" id="{2B904502-F16C-7687-47BC-B74FD5049698}"/>
+              </a:ext>
+            </a:extLst>
+          </p:cNvPr>
           <p:cNvSpPr>
             <a:spLocks noGrp="1"/>
           </p:cNvSpPr>
@@ -4575,711 +4534,18 @@
           <a:p>
             <a:fld id="{91203007-0B9D-40C6-9C3A-883002F2DA39}" type="slidenum">
               <a:rPr lang="en-US" smtClean="0"/>
+              <a:t>13</a:t>
             </a:fld>
             <a:endParaRPr lang="en-US" dirty="0"/>
           </a:p>
         </p:txBody>
       </p:sp>
-      <p:graphicFrame>
-        <p:nvGraphicFramePr>
-          <p:cNvPr id="5" name="Table 4"/>
-          <p:cNvGraphicFramePr>
-            <a:graphicFrameLocks noGrp="1"/>
-          </p:cNvGraphicFramePr>
-          <p:nvPr/>
-        </p:nvGraphicFramePr>
-        <p:xfrm>
-          <a:off x="1179326" y="1909601"/>
-          <a:ext cx="9469781" cy="3691054"/>
-        </p:xfrm>
-        <a:graphic>
-          <a:graphicData uri="http://schemas.openxmlformats.org/drawingml/2006/table">
-            <a:tbl>
-              <a:tblPr firstRow="1" bandRow="1">
-                <a:tableStyleId>{5C22544A-7EE6-4342-B048-85BDC9FD1C3A}</a:tableStyleId>
-              </a:tblPr>
-              <a:tblGrid>
-                <a:gridCol w="1302215"/>
-                <a:gridCol w="1109753"/>
-                <a:gridCol w="1066800"/>
-                <a:gridCol w="1032934"/>
-                <a:gridCol w="973666"/>
-                <a:gridCol w="863600"/>
-                <a:gridCol w="956733"/>
-                <a:gridCol w="1082040"/>
-                <a:gridCol w="1082040"/>
-              </a:tblGrid>
-              <a:tr h="566399">
-                <a:tc>
-                  <a:txBody>
-                    <a:bodyPr/>
-                    <a:lstStyle/>
-                    <a:p>
-                      <a:r>
-                        <a:rPr lang="en-GB" dirty="0"/>
-                        <a:t>Classifier</a:t>
-                      </a:r>
-                      <a:endParaRPr lang="en-US" dirty="0"/>
-                    </a:p>
-                  </a:txBody>
-                  <a:tcPr/>
-                </a:tc>
-                <a:tc gridSpan="2">
-                  <a:txBody>
-                    <a:bodyPr/>
-                    <a:lstStyle/>
-                    <a:p>
-                      <a:r>
-                        <a:rPr lang="en-GB" dirty="0"/>
-                        <a:t>HBEOSA-DMO</a:t>
-                      </a:r>
-                      <a:endParaRPr lang="en-US" dirty="0"/>
-                    </a:p>
-                  </a:txBody>
-                  <a:tcPr/>
-                </a:tc>
-                <a:tc hMerge="1">
-                  <a:tcPr/>
-                </a:tc>
-                <a:tc gridSpan="2">
-                  <a:txBody>
-                    <a:bodyPr/>
-                    <a:lstStyle/>
-                    <a:p>
-                      <a:r>
-                        <a:rPr lang="en-GB" dirty="0"/>
-                        <a:t>HBEOSA-DMO-NT</a:t>
-                      </a:r>
-                      <a:endParaRPr lang="en-US" dirty="0"/>
-                    </a:p>
-                  </a:txBody>
-                  <a:tcPr/>
-                </a:tc>
-                <a:tc hMerge="1">
-                  <a:tcPr/>
-                </a:tc>
-                <a:tc gridSpan="2">
-                  <a:txBody>
-                    <a:bodyPr/>
-                    <a:lstStyle/>
-                    <a:p>
-                      <a:r>
-                        <a:rPr lang="en-GB" dirty="0"/>
-                        <a:t>HBEOSA-PSO</a:t>
-                      </a:r>
-                      <a:endParaRPr lang="en-US" dirty="0"/>
-                    </a:p>
-                  </a:txBody>
-                  <a:tcPr/>
-                </a:tc>
-                <a:tc hMerge="1">
-                  <a:tcPr/>
-                </a:tc>
-                <a:tc gridSpan="2">
-                  <a:txBody>
-                    <a:bodyPr/>
-                    <a:lstStyle/>
-                    <a:p>
-                      <a:r>
-                        <a:rPr lang="en-GB" dirty="0"/>
-                        <a:t>HBEOSA-PSO-NT</a:t>
-                      </a:r>
-                      <a:endParaRPr lang="en-US" dirty="0"/>
-                    </a:p>
-                  </a:txBody>
-                  <a:tcPr/>
-                </a:tc>
-                <a:tc hMerge="1">
-                  <a:tcPr/>
-                </a:tc>
-              </a:tr>
-              <a:tr h="566399">
-                <a:tc>
-                  <a:txBody>
-                    <a:bodyPr/>
-                    <a:lstStyle/>
-                    <a:p>
-                      <a:endParaRPr lang="en-US" dirty="0"/>
-                    </a:p>
-                  </a:txBody>
-                  <a:tcPr/>
-                </a:tc>
-                <a:tc>
-                  <a:txBody>
-                    <a:bodyPr/>
-                    <a:lstStyle/>
-                    <a:p>
-                      <a:r>
-                        <a:rPr lang="en-GB" dirty="0"/>
-                        <a:t>ACC</a:t>
-                      </a:r>
-                      <a:endParaRPr lang="en-US" dirty="0"/>
-                    </a:p>
-                  </a:txBody>
-                  <a:tcPr/>
-                </a:tc>
-                <a:tc>
-                  <a:txBody>
-                    <a:bodyPr/>
-                    <a:lstStyle/>
-                    <a:p>
-                      <a:r>
-                        <a:rPr lang="en-GB" dirty="0"/>
-                        <a:t>AUC</a:t>
-                      </a:r>
-                      <a:endParaRPr lang="en-US" dirty="0"/>
-                    </a:p>
-                  </a:txBody>
-                  <a:tcPr/>
-                </a:tc>
-                <a:tc>
-                  <a:txBody>
-                    <a:bodyPr/>
-                    <a:lstStyle/>
-                    <a:p>
-                      <a:r>
-                        <a:rPr lang="en-GB" dirty="0"/>
-                        <a:t>ACC</a:t>
-                      </a:r>
-                      <a:endParaRPr lang="en-US" dirty="0"/>
-                    </a:p>
-                  </a:txBody>
-                  <a:tcPr/>
-                </a:tc>
-                <a:tc>
-                  <a:txBody>
-                    <a:bodyPr/>
-                    <a:lstStyle/>
-                    <a:p>
-                      <a:r>
-                        <a:rPr lang="en-GB" dirty="0"/>
-                        <a:t>AUC</a:t>
-                      </a:r>
-                      <a:endParaRPr lang="en-US" dirty="0"/>
-                    </a:p>
-                  </a:txBody>
-                  <a:tcPr/>
-                </a:tc>
-                <a:tc>
-                  <a:txBody>
-                    <a:bodyPr/>
-                    <a:lstStyle/>
-                    <a:p>
-                      <a:r>
-                        <a:rPr lang="en-GB" dirty="0"/>
-                        <a:t>ACC</a:t>
-                      </a:r>
-                      <a:endParaRPr lang="en-US" dirty="0"/>
-                    </a:p>
-                  </a:txBody>
-                  <a:tcPr/>
-                </a:tc>
-                <a:tc>
-                  <a:txBody>
-                    <a:bodyPr/>
-                    <a:lstStyle/>
-                    <a:p>
-                      <a:r>
-                        <a:rPr lang="en-GB" dirty="0"/>
-                        <a:t>AUC</a:t>
-                      </a:r>
-                      <a:endParaRPr lang="en-US" dirty="0"/>
-                    </a:p>
-                  </a:txBody>
-                  <a:tcPr/>
-                </a:tc>
-                <a:tc>
-                  <a:txBody>
-                    <a:bodyPr/>
-                    <a:lstStyle/>
-                    <a:p>
-                      <a:r>
-                        <a:rPr lang="en-GB" dirty="0"/>
-                        <a:t>ACC</a:t>
-                      </a:r>
-                      <a:endParaRPr lang="en-US" dirty="0"/>
-                    </a:p>
-                  </a:txBody>
-                  <a:tcPr/>
-                </a:tc>
-                <a:tc>
-                  <a:txBody>
-                    <a:bodyPr/>
-                    <a:lstStyle/>
-                    <a:p>
-                      <a:r>
-                        <a:rPr lang="en-GB" dirty="0"/>
-                        <a:t>AUC</a:t>
-                      </a:r>
-                      <a:endParaRPr lang="en-US" dirty="0"/>
-                    </a:p>
-                  </a:txBody>
-                  <a:tcPr/>
-                </a:tc>
-              </a:tr>
-              <a:tr h="633762">
-                <a:tc>
-                  <a:txBody>
-                    <a:bodyPr/>
-                    <a:lstStyle/>
-                    <a:p>
-                      <a:r>
-                        <a:rPr lang="en-GB" dirty="0"/>
-                        <a:t>KNN</a:t>
-                      </a:r>
-                      <a:endParaRPr lang="en-US" dirty="0"/>
-                    </a:p>
-                  </a:txBody>
-                  <a:tcPr/>
-                </a:tc>
-                <a:tc gridSpan="2">
-                  <a:txBody>
-                    <a:bodyPr/>
-                    <a:lstStyle/>
-                    <a:p>
-                      <a:r>
-                        <a:rPr lang="en-GB" dirty="0"/>
-                        <a:t>0.7002       0.7954</a:t>
-                      </a:r>
-                      <a:endParaRPr lang="en-US" dirty="0"/>
-                    </a:p>
-                  </a:txBody>
-                  <a:tcPr/>
-                </a:tc>
-                <a:tc hMerge="1">
-                  <a:tcPr/>
-                </a:tc>
-                <a:tc gridSpan="2">
-                  <a:txBody>
-                    <a:bodyPr/>
-                    <a:lstStyle/>
-                    <a:p>
-                      <a:r>
-                        <a:rPr lang="en-GB" dirty="0"/>
-                        <a:t>0.7002      0.7954</a:t>
-                      </a:r>
-                      <a:endParaRPr lang="en-US" dirty="0"/>
-                    </a:p>
-                  </a:txBody>
-                  <a:tcPr/>
-                </a:tc>
-                <a:tc hMerge="1">
-                  <a:tcPr/>
-                </a:tc>
-                <a:tc gridSpan="2">
-                  <a:txBody>
-                    <a:bodyPr/>
-                    <a:lstStyle/>
-                    <a:p>
-                      <a:pPr marL="0" marR="0" lvl="0" indent="0" algn="l" defTabSz="914400" rtl="0" eaLnBrk="1" fontAlgn="auto" latinLnBrk="0" hangingPunct="1">
-                        <a:lnSpc>
-                          <a:spcPct val="100000"/>
-                        </a:lnSpc>
-                        <a:spcBef>
-                          <a:spcPts val="0"/>
-                        </a:spcBef>
-                        <a:spcAft>
-                          <a:spcPts val="0"/>
-                        </a:spcAft>
-                        <a:buClrTx/>
-                        <a:buSzTx/>
-                        <a:buFontTx/>
-                        <a:buNone/>
-                        <a:defRPr/>
-                      </a:pPr>
-                      <a:r>
-                        <a:rPr lang="en-GB" dirty="0"/>
-                        <a:t>0.7002   0.7954</a:t>
-                      </a:r>
-                      <a:endParaRPr lang="en-US" dirty="0"/>
-                    </a:p>
-                    <a:p>
-                      <a:endParaRPr lang="en-US" dirty="0"/>
-                    </a:p>
-                  </a:txBody>
-                  <a:tcPr/>
-                </a:tc>
-                <a:tc hMerge="1">
-                  <a:tcPr/>
-                </a:tc>
-                <a:tc gridSpan="2">
-                  <a:txBody>
-                    <a:bodyPr/>
-                    <a:lstStyle/>
-                    <a:p>
-                      <a:r>
-                        <a:rPr lang="en-GB" dirty="0"/>
-                        <a:t>0.7002       0.7954</a:t>
-                      </a:r>
-                      <a:endParaRPr lang="en-US" dirty="0"/>
-                    </a:p>
-                  </a:txBody>
-                  <a:tcPr/>
-                </a:tc>
-                <a:tc hMerge="1">
-                  <a:tcPr/>
-                </a:tc>
-              </a:tr>
-              <a:tr h="474589">
-                <a:tc>
-                  <a:txBody>
-                    <a:bodyPr/>
-                    <a:lstStyle/>
-                    <a:p>
-                      <a:r>
-                        <a:rPr lang="en-GB" dirty="0"/>
-                        <a:t>RF</a:t>
-                      </a:r>
-                      <a:endParaRPr lang="en-US" dirty="0"/>
-                    </a:p>
-                  </a:txBody>
-                  <a:tcPr/>
-                </a:tc>
-                <a:tc gridSpan="2">
-                  <a:txBody>
-                    <a:bodyPr/>
-                    <a:lstStyle/>
-                    <a:p>
-                      <a:r>
-                        <a:rPr lang="en-GB" dirty="0"/>
-                        <a:t>0.8252       0.8291</a:t>
-                      </a:r>
-                      <a:endParaRPr lang="en-US" dirty="0"/>
-                    </a:p>
-                  </a:txBody>
-                  <a:tcPr/>
-                </a:tc>
-                <a:tc hMerge="1">
-                  <a:tcPr/>
-                </a:tc>
-                <a:tc gridSpan="2">
-                  <a:txBody>
-                    <a:bodyPr/>
-                    <a:lstStyle/>
-                    <a:p>
-                      <a:r>
-                        <a:rPr lang="en-GB" dirty="0"/>
-                        <a:t>0.8286      0.8280</a:t>
-                      </a:r>
-                      <a:endParaRPr lang="en-US" dirty="0"/>
-                    </a:p>
-                  </a:txBody>
-                  <a:tcPr/>
-                </a:tc>
-                <a:tc hMerge="1">
-                  <a:tcPr/>
-                </a:tc>
-                <a:tc gridSpan="2">
-                  <a:txBody>
-                    <a:bodyPr/>
-                    <a:lstStyle/>
-                    <a:p>
-                      <a:r>
-                        <a:rPr lang="en-GB" dirty="0"/>
-                        <a:t>0.8212   0.8284</a:t>
-                      </a:r>
-                      <a:endParaRPr lang="en-US" dirty="0"/>
-                    </a:p>
-                  </a:txBody>
-                  <a:tcPr/>
-                </a:tc>
-                <a:tc hMerge="1">
-                  <a:tcPr/>
-                </a:tc>
-                <a:tc gridSpan="2">
-                  <a:txBody>
-                    <a:bodyPr/>
-                    <a:lstStyle/>
-                    <a:p>
-                      <a:r>
-                        <a:rPr lang="en-GB" dirty="0"/>
-                        <a:t>0.825         0.8288</a:t>
-                      </a:r>
-                      <a:endParaRPr lang="en-US" dirty="0"/>
-                    </a:p>
-                  </a:txBody>
-                  <a:tcPr/>
-                </a:tc>
-                <a:tc hMerge="1">
-                  <a:tcPr/>
-                </a:tc>
-              </a:tr>
-              <a:tr h="499533">
-                <a:tc>
-                  <a:txBody>
-                    <a:bodyPr/>
-                    <a:lstStyle/>
-                    <a:p>
-                      <a:r>
-                        <a:rPr lang="en-GB" dirty="0"/>
-                        <a:t>MLP</a:t>
-                      </a:r>
-                      <a:endParaRPr lang="en-US" dirty="0"/>
-                    </a:p>
-                  </a:txBody>
-                  <a:tcPr/>
-                </a:tc>
-                <a:tc gridSpan="2">
-                  <a:txBody>
-                    <a:bodyPr/>
-                    <a:lstStyle/>
-                    <a:p>
-                      <a:r>
-                        <a:rPr lang="en-GB" dirty="0"/>
-                        <a:t>0.6743        0.7922</a:t>
-                      </a:r>
-                      <a:endParaRPr lang="en-US" dirty="0"/>
-                    </a:p>
-                  </a:txBody>
-                  <a:tcPr/>
-                </a:tc>
-                <a:tc hMerge="1">
-                  <a:tcPr/>
-                </a:tc>
-                <a:tc gridSpan="2">
-                  <a:txBody>
-                    <a:bodyPr/>
-                    <a:lstStyle/>
-                    <a:p>
-                      <a:r>
-                        <a:rPr lang="en-GB" dirty="0"/>
-                        <a:t>0.6743      0.7922</a:t>
-                      </a:r>
-                      <a:endParaRPr lang="en-US" dirty="0"/>
-                    </a:p>
-                  </a:txBody>
-                  <a:tcPr/>
-                </a:tc>
-                <a:tc hMerge="1">
-                  <a:tcPr/>
-                </a:tc>
-                <a:tc gridSpan="2">
-                  <a:txBody>
-                    <a:bodyPr/>
-                    <a:lstStyle/>
-                    <a:p>
-                      <a:r>
-                        <a:rPr lang="en-GB" dirty="0"/>
-                        <a:t>0.6743   0.7922</a:t>
-                      </a:r>
-                      <a:endParaRPr lang="en-US" dirty="0"/>
-                    </a:p>
-                  </a:txBody>
-                  <a:tcPr/>
-                </a:tc>
-                <a:tc hMerge="1">
-                  <a:tcPr/>
-                </a:tc>
-                <a:tc gridSpan="2">
-                  <a:txBody>
-                    <a:bodyPr/>
-                    <a:lstStyle/>
-                    <a:p>
-                      <a:r>
-                        <a:rPr lang="en-GB" dirty="0"/>
-                        <a:t>0.6743       0.7922</a:t>
-                      </a:r>
-                      <a:endParaRPr lang="en-US" dirty="0"/>
-                    </a:p>
-                  </a:txBody>
-                  <a:tcPr/>
-                </a:tc>
-                <a:tc hMerge="1">
-                  <a:tcPr/>
-                </a:tc>
-              </a:tr>
-              <a:tr h="499533">
-                <a:tc>
-                  <a:txBody>
-                    <a:bodyPr/>
-                    <a:lstStyle/>
-                    <a:p>
-                      <a:r>
-                        <a:rPr lang="en-GB" dirty="0" err="1"/>
-                        <a:t>Dtree</a:t>
-                      </a:r>
-                      <a:endParaRPr lang="en-US" dirty="0"/>
-                    </a:p>
-                  </a:txBody>
-                  <a:tcPr/>
-                </a:tc>
-                <a:tc gridSpan="2">
-                  <a:txBody>
-                    <a:bodyPr/>
-                    <a:lstStyle/>
-                    <a:p>
-                      <a:r>
-                        <a:rPr lang="en-GB" dirty="0"/>
-                        <a:t>0.6415        0.7592</a:t>
-                      </a:r>
-                      <a:endParaRPr lang="en-US" dirty="0"/>
-                    </a:p>
-                  </a:txBody>
-                  <a:tcPr/>
-                </a:tc>
-                <a:tc hMerge="1">
-                  <a:tcPr/>
-                </a:tc>
-                <a:tc gridSpan="2">
-                  <a:txBody>
-                    <a:bodyPr/>
-                    <a:lstStyle/>
-                    <a:p>
-                      <a:r>
-                        <a:rPr lang="en-GB" dirty="0"/>
-                        <a:t>0.6415      0.7592</a:t>
-                      </a:r>
-                      <a:endParaRPr lang="en-US" dirty="0"/>
-                    </a:p>
-                  </a:txBody>
-                  <a:tcPr/>
-                </a:tc>
-                <a:tc hMerge="1">
-                  <a:tcPr/>
-                </a:tc>
-                <a:tc gridSpan="2">
-                  <a:txBody>
-                    <a:bodyPr/>
-                    <a:lstStyle/>
-                    <a:p>
-                      <a:r>
-                        <a:rPr lang="en-GB" dirty="0"/>
-                        <a:t>0.6415   0.7591</a:t>
-                      </a:r>
-                      <a:endParaRPr lang="en-US" dirty="0"/>
-                    </a:p>
-                  </a:txBody>
-                  <a:tcPr/>
-                </a:tc>
-                <a:tc hMerge="1">
-                  <a:tcPr/>
-                </a:tc>
-                <a:tc gridSpan="2">
-                  <a:txBody>
-                    <a:bodyPr/>
-                    <a:lstStyle/>
-                    <a:p>
-                      <a:r>
-                        <a:rPr lang="en-GB" dirty="0"/>
-                        <a:t>0.6415        0.7592</a:t>
-                      </a:r>
-                      <a:endParaRPr lang="en-US" dirty="0"/>
-                    </a:p>
-                  </a:txBody>
-                  <a:tcPr/>
-                </a:tc>
-                <a:tc hMerge="1">
-                  <a:tcPr/>
-                </a:tc>
-              </a:tr>
-              <a:tr h="370840">
-                <a:tc>
-                  <a:txBody>
-                    <a:bodyPr/>
-                    <a:lstStyle/>
-                    <a:p>
-                      <a:r>
-                        <a:rPr lang="en-GB" dirty="0" err="1"/>
-                        <a:t>Softmax</a:t>
-                      </a:r>
-                      <a:endParaRPr lang="en-US" dirty="0"/>
-                    </a:p>
-                  </a:txBody>
-                  <a:tcPr/>
-                </a:tc>
-                <a:tc gridSpan="2">
-                  <a:txBody>
-                    <a:bodyPr/>
-                    <a:lstStyle/>
-                    <a:p>
-                      <a:r>
-                        <a:rPr lang="en-GB" dirty="0"/>
-                        <a:t>0.794</a:t>
-                      </a:r>
-                      <a:endParaRPr lang="en-US" dirty="0"/>
-                    </a:p>
-                  </a:txBody>
-                  <a:tcPr/>
-                </a:tc>
-                <a:tc hMerge="1">
-                  <a:tcPr/>
-                </a:tc>
-                <a:tc gridSpan="2">
-                  <a:txBody>
-                    <a:bodyPr/>
-                    <a:lstStyle/>
-                    <a:p>
-                      <a:r>
-                        <a:rPr lang="en-GB" dirty="0"/>
-                        <a:t>0.708</a:t>
-                      </a:r>
-                      <a:endParaRPr lang="en-US" dirty="0"/>
-                    </a:p>
-                  </a:txBody>
-                  <a:tcPr/>
-                </a:tc>
-                <a:tc hMerge="1">
-                  <a:tcPr/>
-                </a:tc>
-                <a:tc gridSpan="2">
-                  <a:txBody>
-                    <a:bodyPr/>
-                    <a:lstStyle/>
-                    <a:p>
-                      <a:r>
-                        <a:rPr lang="en-GB" dirty="0"/>
-                        <a:t>0.794</a:t>
-                      </a:r>
-                      <a:endParaRPr lang="en-US" dirty="0"/>
-                    </a:p>
-                  </a:txBody>
-                  <a:tcPr/>
-                </a:tc>
-                <a:tc hMerge="1">
-                  <a:tcPr/>
-                </a:tc>
-                <a:tc gridSpan="2">
-                  <a:txBody>
-                    <a:bodyPr/>
-                    <a:lstStyle/>
-                    <a:p>
-                      <a:r>
-                        <a:rPr lang="en-GB" dirty="0"/>
-                        <a:t>0.794</a:t>
-                      </a:r>
-                      <a:endParaRPr lang="en-US" dirty="0"/>
-                    </a:p>
-                  </a:txBody>
-                  <a:tcPr/>
-                </a:tc>
-                <a:tc hMerge="1">
-                  <a:tcPr/>
-                </a:tc>
-              </a:tr>
-            </a:tbl>
-          </a:graphicData>
-        </a:graphic>
-      </p:graphicFrame>
-      <p:sp>
-        <p:nvSpPr>
-          <p:cNvPr id="10" name="Content Placeholder 9"/>
-          <p:cNvSpPr>
-            <a:spLocks noGrp="1"/>
-          </p:cNvSpPr>
-          <p:nvPr>
-            <p:ph idx="1"/>
-          </p:nvPr>
-        </p:nvSpPr>
-        <p:spPr/>
-        <p:txBody>
-          <a:bodyPr/>
-          <a:lstStyle/>
-          <a:p>
-            <a:endParaRPr lang="en-US"/>
-          </a:p>
-        </p:txBody>
-      </p:sp>
     </p:spTree>
+    <p:extLst>
+      <p:ext uri="{BB962C8B-B14F-4D97-AF65-F5344CB8AC3E}">
+        <p14:creationId xmlns:p14="http://schemas.microsoft.com/office/powerpoint/2010/main" val="1591522727"/>
+      </p:ext>
+    </p:extLst>
   </p:cSld>
   <p:clrMapOvr>
     <a:masterClrMapping/>
@@ -5306,7 +4572,13 @@
       </p:grpSpPr>
       <p:sp>
         <p:nvSpPr>
-          <p:cNvPr id="2" name="Title 1"/>
+          <p:cNvPr id="2" name="Title 1">
+            <a:extLst>
+              <a:ext uri="{FF2B5EF4-FFF2-40B4-BE49-F238E27FC236}">
+                <a16:creationId xmlns:a16="http://schemas.microsoft.com/office/drawing/2014/main" id="{FBFE566C-D7E2-0405-78F8-1F05B8359123}"/>
+              </a:ext>
+            </a:extLst>
+          </p:cNvPr>
           <p:cNvSpPr>
             <a:spLocks noGrp="1"/>
           </p:cNvSpPr>
@@ -5319,17 +4591,19 @@
           <a:bodyPr/>
           <a:lstStyle/>
           <a:p>
-            <a:r>
-              <a:rPr lang="en-US" dirty="0"/>
-              <a:t>CONCLUSION</a:t>
-            </a:r>
-            <a:endParaRPr lang="en-US" dirty="0"/>
-          </a:p>
-        </p:txBody>
-      </p:sp>
-      <p:sp>
-        <p:nvSpPr>
-          <p:cNvPr id="3" name="Content Placeholder 2"/>
+            <a:endParaRPr lang="en-GH"/>
+          </a:p>
+        </p:txBody>
+      </p:sp>
+      <p:sp>
+        <p:nvSpPr>
+          <p:cNvPr id="3" name="Content Placeholder 2">
+            <a:extLst>
+              <a:ext uri="{FF2B5EF4-FFF2-40B4-BE49-F238E27FC236}">
+                <a16:creationId xmlns:a16="http://schemas.microsoft.com/office/drawing/2014/main" id="{1F8F56EE-93B0-EE61-D3A6-8161D6A6E30C}"/>
+              </a:ext>
+            </a:extLst>
+          </p:cNvPr>
           <p:cNvSpPr>
             <a:spLocks noGrp="1"/>
           </p:cNvSpPr>
@@ -5342,25 +4616,19 @@
           <a:bodyPr/>
           <a:lstStyle/>
           <a:p>
-            <a:r>
-              <a:rPr lang="en-GB" dirty="0"/>
-              <a:t>Results obtained when the new hybrid binary optimizers were applied to the medical image feature selection </a:t>
-            </a:r>
-            <a:r>
-              <a:rPr lang="" altLang="en-GB" dirty="0"/>
-              <a:t>in summary</a:t>
-            </a:r>
-            <a:r>
-              <a:rPr lang="en-GB" dirty="0"/>
-              <a:t>, showed that classification accuracy of 0.8286, precision of 0.97, recall of 0.83, and F1-score of 0.99, AUC of 0.8291</a:t>
-            </a:r>
-            <a:endParaRPr lang="en-US" dirty="0"/>
-          </a:p>
-        </p:txBody>
-      </p:sp>
-      <p:sp>
-        <p:nvSpPr>
-          <p:cNvPr id="4" name="Slide Number Placeholder 3"/>
+            <a:endParaRPr lang="en-GH"/>
+          </a:p>
+        </p:txBody>
+      </p:sp>
+      <p:sp>
+        <p:nvSpPr>
+          <p:cNvPr id="4" name="Slide Number Placeholder 3">
+            <a:extLst>
+              <a:ext uri="{FF2B5EF4-FFF2-40B4-BE49-F238E27FC236}">
+                <a16:creationId xmlns:a16="http://schemas.microsoft.com/office/drawing/2014/main" id="{E4488920-783C-8F9C-D369-5BFF32D5AC0F}"/>
+              </a:ext>
+            </a:extLst>
+          </p:cNvPr>
           <p:cNvSpPr>
             <a:spLocks noGrp="1"/>
           </p:cNvSpPr>
@@ -5375,12 +4643,18 @@
           <a:p>
             <a:fld id="{91203007-0B9D-40C6-9C3A-883002F2DA39}" type="slidenum">
               <a:rPr lang="en-US" smtClean="0"/>
+              <a:t>14</a:t>
             </a:fld>
             <a:endParaRPr lang="en-US" dirty="0"/>
           </a:p>
         </p:txBody>
       </p:sp>
     </p:spTree>
+    <p:extLst>
+      <p:ext uri="{BB962C8B-B14F-4D97-AF65-F5344CB8AC3E}">
+        <p14:creationId xmlns:p14="http://schemas.microsoft.com/office/powerpoint/2010/main" val="1140850537"/>
+      </p:ext>
+    </p:extLst>
   </p:cSld>
   <p:clrMapOvr>
     <a:masterClrMapping/>
@@ -5407,6 +4681,464 @@
       </p:grpSpPr>
       <p:sp>
         <p:nvSpPr>
+          <p:cNvPr id="11" name="Title 1"/>
+          <p:cNvSpPr>
+            <a:spLocks noGrp="1"/>
+          </p:cNvSpPr>
+          <p:nvPr>
+            <p:ph type="title"/>
+          </p:nvPr>
+        </p:nvSpPr>
+        <p:spPr>
+          <a:xfrm>
+            <a:off x="839787" y="0"/>
+            <a:ext cx="3932237" cy="1600200"/>
+          </a:xfrm>
+        </p:spPr>
+        <p:txBody>
+          <a:bodyPr/>
+          <a:lstStyle/>
+          <a:p>
+            <a:r>
+              <a:rPr lang="en-US" dirty="0"/>
+              <a:t>RESULT INTERPRETATION</a:t>
+            </a:r>
+          </a:p>
+        </p:txBody>
+      </p:sp>
+      <p:pic>
+        <p:nvPicPr>
+          <p:cNvPr id="6" name="Content Placeholder 5" descr="A table of numbers with text&#10;&#10;Description automatically generated"/>
+          <p:cNvPicPr>
+            <a:picLocks noGrp="1" noChangeAspect="1"/>
+          </p:cNvPicPr>
+          <p:nvPr>
+            <p:ph type="pic" idx="1"/>
+          </p:nvPr>
+        </p:nvPicPr>
+        <p:blipFill>
+          <a:blip r:embed="rId2">
+            <a:extLst>
+              <a:ext uri="{28A0092B-C50C-407E-A947-70E740481C1C}">
+                <a14:useLocalDpi xmlns:a14="http://schemas.microsoft.com/office/drawing/2010/main" val="0"/>
+              </a:ext>
+            </a:extLst>
+          </a:blip>
+          <a:stretch>
+            <a:fillRect/>
+          </a:stretch>
+        </p:blipFill>
+        <p:spPr>
+          <a:xfrm>
+            <a:off x="2740660" y="1510030"/>
+            <a:ext cx="9451340" cy="4435475"/>
+          </a:xfrm>
+          <a:noFill/>
+        </p:spPr>
+      </p:pic>
+      <p:sp>
+        <p:nvSpPr>
+          <p:cNvPr id="13" name="Text Placeholder 3"/>
+          <p:cNvSpPr>
+            <a:spLocks noGrp="1"/>
+          </p:cNvSpPr>
+          <p:nvPr>
+            <p:ph type="body" sz="half" idx="2"/>
+          </p:nvPr>
+        </p:nvSpPr>
+        <p:spPr>
+          <a:xfrm>
+            <a:off x="839470" y="1880235"/>
+            <a:ext cx="2053590" cy="2459990"/>
+          </a:xfrm>
+        </p:spPr>
+        <p:txBody>
+          <a:bodyPr>
+            <a:normAutofit fontScale="77500" lnSpcReduction="10000"/>
+          </a:bodyPr>
+          <a:lstStyle/>
+          <a:p>
+            <a:r>
+              <a:rPr lang="en-GB" sz="2000" dirty="0"/>
+              <a:t>Evaluation of the HBEOSA-DMO, HBEOSA-DMO-NT, HBEOSA-PSO, HBEOSA-PSO-NT,  BEOSA</a:t>
+            </a:r>
+          </a:p>
+          <a:p>
+            <a:r>
+              <a:rPr lang="en-GB" sz="2000" dirty="0"/>
+              <a:t> methods using high-dimensional datasets on accuracy, fitness, cost function and feature counts.</a:t>
+            </a:r>
+            <a:endParaRPr lang="en-US" sz="2000" dirty="0"/>
+          </a:p>
+        </p:txBody>
+      </p:sp>
+      <p:sp>
+        <p:nvSpPr>
+          <p:cNvPr id="4" name="Slide Number Placeholder 3"/>
+          <p:cNvSpPr>
+            <a:spLocks noGrp="1"/>
+          </p:cNvSpPr>
+          <p:nvPr>
+            <p:ph type="sldNum" sz="quarter" idx="12"/>
+          </p:nvPr>
+        </p:nvSpPr>
+        <p:spPr>
+          <a:xfrm>
+            <a:off x="8610600" y="6433984"/>
+            <a:ext cx="2743200" cy="365125"/>
+          </a:xfrm>
+        </p:spPr>
+        <p:txBody>
+          <a:bodyPr anchor="ctr">
+            <a:normAutofit/>
+          </a:bodyPr>
+          <a:lstStyle/>
+          <a:p>
+            <a:pPr>
+              <a:spcAft>
+                <a:spcPts val="600"/>
+              </a:spcAft>
+            </a:pPr>
+            <a:fld id="{91203007-0B9D-40C6-9C3A-883002F2DA39}" type="slidenum">
+              <a:rPr lang="en-US" smtClean="0"/>
+              <a:t>15</a:t>
+            </a:fld>
+            <a:endParaRPr lang="en-US"/>
+          </a:p>
+        </p:txBody>
+      </p:sp>
+    </p:spTree>
+  </p:cSld>
+  <p:clrMapOvr>
+    <a:masterClrMapping/>
+  </p:clrMapOvr>
+</p:sld>
+</file>
+
+<file path=ppt/slides/slide16.xml><?xml version="1.0" encoding="utf-8"?>
+<p:sld xmlns:a="http://schemas.openxmlformats.org/drawingml/2006/main" xmlns:r="http://schemas.openxmlformats.org/officeDocument/2006/relationships" xmlns:p="http://schemas.openxmlformats.org/presentationml/2006/main">
+  <p:cSld>
+    <p:spTree>
+      <p:nvGrpSpPr>
+        <p:cNvPr id="1" name=""/>
+        <p:cNvGrpSpPr/>
+        <p:nvPr/>
+      </p:nvGrpSpPr>
+      <p:grpSpPr>
+        <a:xfrm>
+          <a:off x="0" y="0"/>
+          <a:ext cx="0" cy="0"/>
+          <a:chOff x="0" y="0"/>
+          <a:chExt cx="0" cy="0"/>
+        </a:xfrm>
+      </p:grpSpPr>
+      <p:sp>
+        <p:nvSpPr>
+          <p:cNvPr id="15" name="Title 1"/>
+          <p:cNvSpPr>
+            <a:spLocks noGrp="1"/>
+          </p:cNvSpPr>
+          <p:nvPr>
+            <p:ph type="title"/>
+          </p:nvPr>
+        </p:nvSpPr>
+        <p:spPr>
+          <a:xfrm>
+            <a:off x="839788" y="0"/>
+            <a:ext cx="3932237" cy="1600200"/>
+          </a:xfrm>
+        </p:spPr>
+        <p:txBody>
+          <a:bodyPr/>
+          <a:lstStyle/>
+          <a:p>
+            <a:r>
+              <a:rPr lang="en-US" dirty="0"/>
+              <a:t>RESULT INTERPRETATION</a:t>
+            </a:r>
+          </a:p>
+        </p:txBody>
+      </p:sp>
+      <p:pic>
+        <p:nvPicPr>
+          <p:cNvPr id="6" name="Content Placeholder 5" descr="A table of numbers with text&#10;&#10;Description automatically generated"/>
+          <p:cNvPicPr>
+            <a:picLocks noGrp="1" noChangeAspect="1"/>
+          </p:cNvPicPr>
+          <p:nvPr>
+            <p:ph type="pic" idx="1"/>
+          </p:nvPr>
+        </p:nvPicPr>
+        <p:blipFill>
+          <a:blip r:embed="rId2">
+            <a:extLst>
+              <a:ext uri="{28A0092B-C50C-407E-A947-70E740481C1C}">
+                <a14:useLocalDpi xmlns:a14="http://schemas.microsoft.com/office/drawing/2010/main" val="0"/>
+              </a:ext>
+            </a:extLst>
+          </a:blip>
+          <a:stretch>
+            <a:fillRect/>
+          </a:stretch>
+        </p:blipFill>
+        <p:spPr>
+          <a:xfrm>
+            <a:off x="2781935" y="1534795"/>
+            <a:ext cx="9410065" cy="4373880"/>
+          </a:xfrm>
+          <a:noFill/>
+        </p:spPr>
+      </p:pic>
+      <p:sp>
+        <p:nvSpPr>
+          <p:cNvPr id="16" name="Text Placeholder 3"/>
+          <p:cNvSpPr>
+            <a:spLocks noGrp="1"/>
+          </p:cNvSpPr>
+          <p:nvPr>
+            <p:ph type="body" sz="half" idx="2"/>
+          </p:nvPr>
+        </p:nvSpPr>
+        <p:spPr>
+          <a:xfrm>
+            <a:off x="840105" y="2057400"/>
+            <a:ext cx="2449830" cy="2677795"/>
+          </a:xfrm>
+        </p:spPr>
+        <p:txBody>
+          <a:bodyPr/>
+          <a:lstStyle/>
+          <a:p>
+            <a:r>
+              <a:rPr lang="en-GB" dirty="0"/>
+              <a:t>Evaluation of the HBEOSA-DMO, HBEOSA-DMO-NT, HBEOSA-PSO, HBEOSA-PSO-NT,  BEOSA </a:t>
+            </a:r>
+          </a:p>
+          <a:p>
+            <a:r>
+              <a:rPr lang="en-GB" dirty="0"/>
+              <a:t>methods using medium-dimensional datasets on accuracy, fitness, cost function, and feature counts.</a:t>
+            </a:r>
+            <a:endParaRPr lang="en-US" dirty="0"/>
+          </a:p>
+        </p:txBody>
+      </p:sp>
+      <p:sp>
+        <p:nvSpPr>
+          <p:cNvPr id="4" name="Slide Number Placeholder 3"/>
+          <p:cNvSpPr>
+            <a:spLocks noGrp="1"/>
+          </p:cNvSpPr>
+          <p:nvPr>
+            <p:ph type="sldNum" sz="quarter" idx="12"/>
+          </p:nvPr>
+        </p:nvSpPr>
+        <p:spPr>
+          <a:xfrm>
+            <a:off x="8610600" y="6433984"/>
+            <a:ext cx="2743200" cy="365125"/>
+          </a:xfrm>
+        </p:spPr>
+        <p:txBody>
+          <a:bodyPr anchor="ctr">
+            <a:normAutofit/>
+          </a:bodyPr>
+          <a:lstStyle/>
+          <a:p>
+            <a:pPr>
+              <a:spcAft>
+                <a:spcPts val="600"/>
+              </a:spcAft>
+            </a:pPr>
+            <a:fld id="{91203007-0B9D-40C6-9C3A-883002F2DA39}" type="slidenum">
+              <a:rPr lang="en-US" smtClean="0"/>
+              <a:t>16</a:t>
+            </a:fld>
+            <a:endParaRPr lang="en-US"/>
+          </a:p>
+        </p:txBody>
+      </p:sp>
+    </p:spTree>
+  </p:cSld>
+  <p:clrMapOvr>
+    <a:masterClrMapping/>
+  </p:clrMapOvr>
+</p:sld>
+</file>
+
+<file path=ppt/slides/slide17.xml><?xml version="1.0" encoding="utf-8"?>
+<p:sld xmlns:a="http://schemas.openxmlformats.org/drawingml/2006/main" xmlns:r="http://schemas.openxmlformats.org/officeDocument/2006/relationships" xmlns:p="http://schemas.openxmlformats.org/presentationml/2006/main">
+  <p:cSld>
+    <p:spTree>
+      <p:nvGrpSpPr>
+        <p:cNvPr id="1" name=""/>
+        <p:cNvGrpSpPr/>
+        <p:nvPr/>
+      </p:nvGrpSpPr>
+      <p:grpSpPr>
+        <a:xfrm>
+          <a:off x="0" y="0"/>
+          <a:ext cx="0" cy="0"/>
+          <a:chOff x="0" y="0"/>
+          <a:chExt cx="0" cy="0"/>
+        </a:xfrm>
+      </p:grpSpPr>
+      <p:sp>
+        <p:nvSpPr>
+          <p:cNvPr id="11" name="Title 1"/>
+          <p:cNvSpPr>
+            <a:spLocks noGrp="1"/>
+          </p:cNvSpPr>
+          <p:nvPr>
+            <p:ph type="title"/>
+          </p:nvPr>
+        </p:nvSpPr>
+        <p:spPr>
+          <a:xfrm>
+            <a:off x="839787" y="0"/>
+            <a:ext cx="3932237" cy="1600200"/>
+          </a:xfrm>
+        </p:spPr>
+        <p:txBody>
+          <a:bodyPr/>
+          <a:lstStyle/>
+          <a:p>
+            <a:r>
+              <a:rPr lang="en-US" dirty="0"/>
+              <a:t>RESULT INTERPRETATION</a:t>
+            </a:r>
+          </a:p>
+        </p:txBody>
+      </p:sp>
+      <p:pic>
+        <p:nvPicPr>
+          <p:cNvPr id="6" name="Content Placeholder 5"/>
+          <p:cNvPicPr>
+            <a:picLocks noGrp="1" noChangeAspect="1"/>
+          </p:cNvPicPr>
+          <p:nvPr>
+            <p:ph type="pic" idx="1"/>
+          </p:nvPr>
+        </p:nvPicPr>
+        <p:blipFill>
+          <a:blip r:embed="rId2">
+            <a:extLst>
+              <a:ext uri="{28A0092B-C50C-407E-A947-70E740481C1C}">
+                <a14:useLocalDpi xmlns:a14="http://schemas.microsoft.com/office/drawing/2010/main" val="0"/>
+              </a:ext>
+            </a:extLst>
+          </a:blip>
+          <a:srcRect/>
+          <a:stretch>
+            <a:fillRect/>
+          </a:stretch>
+        </p:blipFill>
+        <p:spPr>
+          <a:xfrm>
+            <a:off x="2508885" y="1510030"/>
+            <a:ext cx="9683115" cy="4435475"/>
+          </a:xfrm>
+          <a:noFill/>
+        </p:spPr>
+      </p:pic>
+      <p:sp>
+        <p:nvSpPr>
+          <p:cNvPr id="13" name="Text Placeholder 3"/>
+          <p:cNvSpPr>
+            <a:spLocks noGrp="1"/>
+          </p:cNvSpPr>
+          <p:nvPr>
+            <p:ph type="body" sz="half" idx="2"/>
+          </p:nvPr>
+        </p:nvSpPr>
+        <p:spPr>
+          <a:xfrm>
+            <a:off x="839470" y="1880235"/>
+            <a:ext cx="1746885" cy="2459990"/>
+          </a:xfrm>
+        </p:spPr>
+        <p:txBody>
+          <a:bodyPr>
+            <a:normAutofit fontScale="67500" lnSpcReduction="10000"/>
+          </a:bodyPr>
+          <a:lstStyle/>
+          <a:p>
+            <a:r>
+              <a:rPr lang="en-GB" sz="2000" dirty="0"/>
+              <a:t>Evaluation of the HBEOSA-DMO, HBEOSA-DMO-NT, HBEOSA-PSO, HBEOSA-PSO-NT, BEOSA</a:t>
+            </a:r>
+          </a:p>
+          <a:p>
+            <a:r>
+              <a:rPr lang="en-GB" sz="2000" dirty="0"/>
+              <a:t> methods using Low-dimensional datasets on accuracy, fitness, cost function, and feature counts.</a:t>
+            </a:r>
+            <a:endParaRPr lang="en-US" sz="2000" dirty="0"/>
+          </a:p>
+        </p:txBody>
+      </p:sp>
+      <p:sp>
+        <p:nvSpPr>
+          <p:cNvPr id="4" name="Slide Number Placeholder 3"/>
+          <p:cNvSpPr>
+            <a:spLocks noGrp="1"/>
+          </p:cNvSpPr>
+          <p:nvPr>
+            <p:ph type="sldNum" sz="quarter" idx="12"/>
+          </p:nvPr>
+        </p:nvSpPr>
+        <p:spPr>
+          <a:xfrm>
+            <a:off x="8610600" y="6433984"/>
+            <a:ext cx="2743200" cy="365125"/>
+          </a:xfrm>
+        </p:spPr>
+        <p:txBody>
+          <a:bodyPr anchor="ctr">
+            <a:normAutofit/>
+          </a:bodyPr>
+          <a:lstStyle/>
+          <a:p>
+            <a:pPr>
+              <a:spcAft>
+                <a:spcPts val="600"/>
+              </a:spcAft>
+            </a:pPr>
+            <a:fld id="{91203007-0B9D-40C6-9C3A-883002F2DA39}" type="slidenum">
+              <a:rPr lang="en-US" smtClean="0"/>
+              <a:t>17</a:t>
+            </a:fld>
+            <a:endParaRPr lang="en-US"/>
+          </a:p>
+        </p:txBody>
+      </p:sp>
+    </p:spTree>
+  </p:cSld>
+  <p:clrMapOvr>
+    <a:masterClrMapping/>
+  </p:clrMapOvr>
+</p:sld>
+</file>
+
+<file path=ppt/slides/slide18.xml><?xml version="1.0" encoding="utf-8"?>
+<p:sld xmlns:a="http://schemas.openxmlformats.org/drawingml/2006/main" xmlns:r="http://schemas.openxmlformats.org/officeDocument/2006/relationships" xmlns:p="http://schemas.openxmlformats.org/presentationml/2006/main">
+  <p:cSld>
+    <p:spTree>
+      <p:nvGrpSpPr>
+        <p:cNvPr id="1" name=""/>
+        <p:cNvGrpSpPr/>
+        <p:nvPr/>
+      </p:nvGrpSpPr>
+      <p:grpSpPr>
+        <a:xfrm>
+          <a:off x="0" y="0"/>
+          <a:ext cx="0" cy="0"/>
+          <a:chOff x="0" y="0"/>
+          <a:chExt cx="0" cy="0"/>
+        </a:xfrm>
+      </p:grpSpPr>
+      <p:sp>
+        <p:nvSpPr>
           <p:cNvPr id="2" name="Title 1"/>
           <p:cNvSpPr>
             <a:spLocks noGrp="1"/>
@@ -5424,7 +5156,6 @@
               <a:rPr lang="en-US" dirty="0"/>
               <a:t>Questions</a:t>
             </a:r>
-            <a:endParaRPr lang="en-US" dirty="0"/>
           </a:p>
         </p:txBody>
       </p:sp>
@@ -5450,6 +5181,7 @@
           <a:p>
             <a:fld id="{91203007-0B9D-40C6-9C3A-883002F2DA39}" type="slidenum">
               <a:rPr lang="en-US" smtClean="0"/>
+              <a:t>18</a:t>
             </a:fld>
             <a:endParaRPr lang="en-US" dirty="0"/>
           </a:p>
@@ -5497,12 +5229,14 @@
           </a:xfrm>
         </p:spPr>
         <p:txBody>
-          <a:bodyPr/>
-          <a:lstStyle/>
-          <a:p>
-            <a:r>
-              <a:rPr lang="en-US" dirty="0"/>
-              <a:t>INTRODUCTION</a:t>
+          <a:bodyPr>
+            <a:normAutofit fontScale="90000"/>
+          </a:bodyPr>
+          <a:lstStyle/>
+          <a:p>
+            <a:r>
+              <a:rPr lang="en-GH" dirty="0"/>
+              <a:t>Adjustments to Compartmental </a:t>
             </a:r>
             <a:endParaRPr lang="en-US" dirty="0"/>
           </a:p>
@@ -5526,27 +5260,72 @@
         </p:spPr>
         <p:txBody>
           <a:bodyPr>
-            <a:normAutofit fontScale="60000"/>
+            <a:normAutofit fontScale="97500"/>
           </a:bodyPr>
           <a:lstStyle/>
+          <a:p>
+            <a:pPr marL="0" indent="0">
+              <a:buNone/>
+            </a:pPr>
+            <a:r>
+              <a:rPr lang="en-GH" dirty="0"/>
+              <a:t>1. To prevent no individuals in been infected we prevent individual from recovery or death supposed only one person is infected.  </a:t>
+            </a:r>
+            <a:r>
+              <a:rPr lang="en-GB" dirty="0"/>
+              <a:t>T</a:t>
+            </a:r>
+            <a:r>
+              <a:rPr lang="en-GH" dirty="0"/>
+              <a:t>o prevent early convergence. </a:t>
+            </a:r>
+            <a:r>
+              <a:rPr lang="en-GB" dirty="0"/>
+              <a:t>A</a:t>
+            </a:r>
+            <a:r>
+              <a:rPr lang="en-GH" dirty="0"/>
+              <a:t>nd aid exploration.</a:t>
+            </a:r>
+          </a:p>
+          <a:p>
+            <a:pPr marL="0" indent="0">
+              <a:buNone/>
+            </a:pPr>
+            <a:endParaRPr lang="en-GH" dirty="0"/>
+          </a:p>
+          <a:p>
+            <a:pPr marL="0" indent="0">
+              <a:buNone/>
+            </a:pPr>
+            <a:r>
+              <a:rPr lang="en-GH" dirty="0"/>
+              <a:t>2. If we are all get infected we recover 50 percent of the entire population. To  enable exploration of more features in the compartmental model</a:t>
+            </a:r>
+          </a:p>
+          <a:p>
+            <a:pPr marL="0" indent="0">
+              <a:buNone/>
+            </a:pPr>
+            <a:r>
+              <a:rPr lang="en-GH" dirty="0"/>
+              <a:t>3. </a:t>
+            </a:r>
+            <a:r>
+              <a:rPr lang="en-GB" dirty="0"/>
+              <a:t>M</a:t>
+            </a:r>
+            <a:r>
+              <a:rPr lang="en-GH" dirty="0"/>
+              <a:t>aintain ODEINT as a while creating Creating ODE45</a:t>
+            </a:r>
+          </a:p>
           <a:p>
             <a:pPr>
               <a:lnSpc>
                 <a:spcPct val="120000"/>
               </a:lnSpc>
             </a:pPr>
-            <a:r>
-              <a:rPr lang="en-GB" dirty="0"/>
-              <a:t>Medical images often present high-dimensional datasets, posing challenges in efficient analysis and feature selection. Traditionally, these challenges have been addressed with standard methods that may not fully optimize classification performance. This project introduces </a:t>
-            </a:r>
-            <a:r>
-              <a:rPr lang="" altLang="en-GB" dirty="0"/>
-              <a:t>four variants of hybridized binary optimization algorithms </a:t>
-            </a:r>
-            <a:r>
-              <a:rPr lang="en-GB" dirty="0"/>
-              <a:t>which enhance feature selection for medical image datasets by leveraging BEOSA as a base. These algorithms incorporate a novel nested transformation function, creating variants that optimize binary search spaces while preserving the relevance of real-world features. Through experiments on digital mammography datasets, the proposed methods demonstrate superior performance in improving classification accuracy over traditional techniques.</a:t>
-            </a:r>
             <a:endParaRPr lang="en-GB" dirty="0"/>
           </a:p>
         </p:txBody>
@@ -5568,6 +5347,7 @@
           <a:p>
             <a:fld id="{91203007-0B9D-40C6-9C3A-883002F2DA39}" type="slidenum">
               <a:rPr lang="en-US" smtClean="0"/>
+              <a:t>2</a:t>
             </a:fld>
             <a:endParaRPr lang="en-US" dirty="0"/>
           </a:p>
@@ -5614,8 +5394,8 @@
           <a:lstStyle/>
           <a:p>
             <a:r>
-              <a:rPr lang="en-US" dirty="0"/>
-              <a:t>PROBLEM STATEMENT</a:t>
+              <a:rPr lang="en-GH" dirty="0"/>
+              <a:t>Suggested</a:t>
             </a:r>
             <a:endParaRPr lang="en-US" dirty="0"/>
           </a:p>
@@ -5644,21 +5424,45 @@
           <a:lstStyle/>
           <a:p>
             <a:r>
-              <a:rPr lang="en-GB" sz="2800" dirty="0"/>
-              <a:t>High-dimensional datasets, particularly in medical image analysis, present significant challenges in machine learning and classification tasks. These challenges include increased computational complexity, overfitting, and reduced model interpretability. Specifically, when working with breast cancer detection from medical imaging data (such as mammograms or histopathology images), the number of features can be vast, leading to a risk of decreased classification accuracy and model performance.</a:t>
-            </a:r>
-            <a:endParaRPr lang="en-GB" sz="2800" dirty="0"/>
-          </a:p>
-          <a:p>
-            <a:r>
-              <a:rPr lang="en-GB" sz="2800" dirty="0"/>
-              <a:t>However, relying solely on conventional feature selection methods may not provide optimal solutions for complex medical imaging datasets</a:t>
-            </a:r>
-            <a:r>
-              <a:rPr lang="en-GB" dirty="0"/>
-              <a:t>.</a:t>
-            </a:r>
-            <a:endParaRPr lang="en-US" dirty="0"/>
+              <a:rPr lang="en-GH" dirty="0"/>
+              <a:t>BDMO</a:t>
+            </a:r>
+          </a:p>
+          <a:p>
+            <a:r>
+              <a:rPr lang="en-GH" dirty="0"/>
+              <a:t>BPSO</a:t>
+            </a:r>
+          </a:p>
+          <a:p>
+            <a:r>
+              <a:rPr lang="en-GH" dirty="0"/>
+              <a:t>BSA</a:t>
+            </a:r>
+          </a:p>
+          <a:p>
+            <a:r>
+              <a:rPr lang="en-GH" dirty="0"/>
+              <a:t>FFA</a:t>
+            </a:r>
+          </a:p>
+          <a:p>
+            <a:r>
+              <a:rPr lang="en-GH" dirty="0"/>
+              <a:t>BGWO</a:t>
+            </a:r>
+          </a:p>
+          <a:p>
+            <a:r>
+              <a:rPr lang="en-GH" b="1" dirty="0"/>
+              <a:t>ACO</a:t>
+            </a:r>
+          </a:p>
+          <a:p>
+            <a:r>
+              <a:rPr lang="en-GH" b="1" dirty="0"/>
+              <a:t>BSO</a:t>
+            </a:r>
           </a:p>
         </p:txBody>
       </p:sp>
@@ -5679,6 +5483,7 @@
           <a:p>
             <a:fld id="{91203007-0B9D-40C6-9C3A-883002F2DA39}" type="slidenum">
               <a:rPr lang="en-US" smtClean="0"/>
+              <a:t>3</a:t>
             </a:fld>
             <a:endParaRPr lang="en-US" dirty="0"/>
           </a:p>
@@ -5725,8 +5530,8 @@
           <a:lstStyle/>
           <a:p>
             <a:r>
-              <a:rPr lang="en-US" dirty="0"/>
-              <a:t>PROPOSED SOLUTION</a:t>
+              <a:rPr lang="en-GH" dirty="0"/>
+              <a:t>What is Snake optimizer </a:t>
             </a:r>
             <a:endParaRPr lang="en-US" dirty="0"/>
           </a:p>
@@ -5745,297 +5550,34 @@
         <p:spPr/>
         <p:txBody>
           <a:bodyPr>
-            <a:normAutofit fontScale="72500"/>
+            <a:normAutofit fontScale="95000"/>
           </a:bodyPr>
           <a:lstStyle/>
           <a:p>
             <a:r>
-              <a:rPr lang="en-GB" b="1" dirty="0"/>
-              <a:t>Adaptation of hybrid binary optimization algorithms</a:t>
-            </a:r>
-            <a:r>
-              <a:rPr lang="en-GB" dirty="0"/>
-              <a:t> for </a:t>
-            </a:r>
-            <a:r>
-              <a:rPr lang="en-GB" dirty="0">
-                <a:sym typeface="+mn-ea"/>
-              </a:rPr>
-              <a:t>medical image </a:t>
-            </a:r>
-            <a:r>
-              <a:rPr lang="en-GB" dirty="0"/>
-              <a:t>feature selection in  </a:t>
-            </a:r>
-            <a:r>
-              <a:rPr lang="" altLang="en-GB" dirty="0"/>
-              <a:t>neural network</a:t>
-            </a:r>
-            <a:r>
-              <a:rPr lang="en-GB" dirty="0"/>
-              <a:t>, particularly focusing on </a:t>
-            </a:r>
-            <a:r>
-              <a:rPr lang="en-GB" b="1" dirty="0"/>
-              <a:t>breast cancer</a:t>
-            </a:r>
-            <a:r>
-              <a:rPr lang="" altLang="en-GB" b="1" dirty="0"/>
-              <a:t>. </a:t>
-            </a:r>
-            <a:r>
-              <a:rPr lang="en-GB" dirty="0">
-                <a:sym typeface="+mn-ea"/>
-              </a:rPr>
-              <a:t>(</a:t>
-            </a:r>
-            <a:r>
-              <a:rPr lang="en-GB" b="1" dirty="0">
-                <a:sym typeface="+mn-ea"/>
-              </a:rPr>
-              <a:t>HBEOSA-DMO</a:t>
-            </a:r>
-            <a:r>
-              <a:rPr lang="en-US" altLang="en-GB" b="1" dirty="0">
-                <a:sym typeface="+mn-ea"/>
-              </a:rPr>
-              <a:t>,  </a:t>
-            </a:r>
-            <a:r>
-              <a:rPr lang="en-GB" b="1" dirty="0">
-                <a:sym typeface="+mn-ea"/>
-              </a:rPr>
-              <a:t>HBEOSA-PSO</a:t>
-            </a:r>
-            <a:r>
-              <a:rPr lang="en-US" altLang="en-GB" b="1" dirty="0">
-                <a:sym typeface="+mn-ea"/>
-              </a:rPr>
-              <a:t>,  </a:t>
-            </a:r>
-            <a:r>
-              <a:rPr lang="en-GB" b="1" dirty="0">
-                <a:sym typeface="+mn-ea"/>
-              </a:rPr>
-              <a:t>HBEOSA-DMO-NT and HBEOSA-PSO-NT</a:t>
-            </a:r>
-            <a:r>
-              <a:rPr lang="en-GB" dirty="0">
-                <a:sym typeface="+mn-ea"/>
-              </a:rPr>
-              <a:t>)</a:t>
-            </a:r>
-            <a:endParaRPr lang="en-GB" dirty="0">
-              <a:sym typeface="+mn-ea"/>
-            </a:endParaRPr>
+              <a:rPr lang="en-GB" sz="1900" dirty="0"/>
+              <a:t>The Snake Optimization Algorithm (SO) is a nature-inspired metaheuristic optimization algorithm that mimics the foraging and reproductive behaviours of snakes to solve complex optimization problems.</a:t>
+            </a:r>
           </a:p>
           <a:p>
             <a:pPr marL="0" indent="0">
               <a:buNone/>
             </a:pPr>
-            <a:r>
-              <a:rPr lang="en-GB" dirty="0">
-                <a:sym typeface="+mn-ea"/>
-              </a:rPr>
-              <a:t> </a:t>
-            </a:r>
-            <a:endParaRPr lang="en-GB" b="1" dirty="0"/>
-          </a:p>
-          <a:p>
-            <a:r>
-              <a:rPr lang="" altLang="en-GB" dirty="0"/>
-              <a:t>These</a:t>
-            </a:r>
-            <a:r>
-              <a:rPr lang="" altLang="en-GB" b="1" dirty="0"/>
-              <a:t> </a:t>
-            </a:r>
-            <a:r>
-              <a:rPr lang="" altLang="en-GB" dirty="0"/>
-              <a:t>are obtained from the hybridization of</a:t>
-            </a:r>
-            <a:r>
-              <a:rPr lang="" altLang="en-GB" b="1" dirty="0"/>
-              <a:t> </a:t>
-            </a:r>
-            <a:r>
-              <a:rPr lang="en-GB" b="1" dirty="0">
-                <a:sym typeface="+mn-ea"/>
-              </a:rPr>
-              <a:t>BEOSA </a:t>
-            </a:r>
-            <a:r>
-              <a:rPr lang="en-GB" dirty="0">
-                <a:sym typeface="+mn-ea"/>
-              </a:rPr>
-              <a:t>as the base algorithm </a:t>
-            </a:r>
-            <a:r>
-              <a:rPr lang="" altLang="en-GB" dirty="0">
-                <a:sym typeface="+mn-ea"/>
-              </a:rPr>
-              <a:t>with</a:t>
-            </a:r>
-            <a:r>
-              <a:rPr lang="" altLang="en-GB" b="1" dirty="0">
-                <a:sym typeface="+mn-ea"/>
-              </a:rPr>
-              <a:t> B</a:t>
-            </a:r>
-            <a:r>
-              <a:rPr lang="en-GB" b="1" dirty="0">
-                <a:sym typeface="+mn-ea"/>
-              </a:rPr>
-              <a:t>DMO</a:t>
-            </a:r>
-            <a:r>
-              <a:rPr lang="en-GB" dirty="0">
-                <a:sym typeface="+mn-ea"/>
-              </a:rPr>
-              <a:t> </a:t>
-            </a:r>
-            <a:r>
-              <a:rPr lang="" altLang="en-GB" dirty="0">
-                <a:sym typeface="+mn-ea"/>
-              </a:rPr>
-              <a:t>and B</a:t>
-            </a:r>
-            <a:r>
-              <a:rPr lang="en-GB" b="1" dirty="0">
-                <a:sym typeface="+mn-ea"/>
-              </a:rPr>
-              <a:t>PSO</a:t>
-            </a:r>
-            <a:r>
-              <a:rPr lang="" altLang="en-GB" b="1" dirty="0">
-                <a:sym typeface="+mn-ea"/>
-              </a:rPr>
-              <a:t>,  </a:t>
-            </a:r>
-            <a:r>
-              <a:rPr lang="" altLang="en-GB" dirty="0">
-                <a:sym typeface="+mn-ea"/>
-              </a:rPr>
-              <a:t>to obtain</a:t>
-            </a:r>
-            <a:r>
-              <a:rPr lang="" altLang="en-GB" b="1" dirty="0">
-                <a:sym typeface="+mn-ea"/>
-              </a:rPr>
-              <a:t> </a:t>
-            </a:r>
-            <a:r>
-              <a:rPr lang="en-GB" b="1" dirty="0">
-                <a:sym typeface="+mn-ea"/>
-              </a:rPr>
-              <a:t>HBEOSA-DMO</a:t>
-            </a:r>
-            <a:r>
-              <a:rPr lang="en-GB" dirty="0">
-                <a:sym typeface="+mn-ea"/>
-              </a:rPr>
-              <a:t> and </a:t>
-            </a:r>
-            <a:r>
-              <a:rPr lang="en-GB" b="1" dirty="0">
-                <a:sym typeface="+mn-ea"/>
-              </a:rPr>
-              <a:t>HBEOSA-PSO</a:t>
-            </a:r>
-            <a:r>
-              <a:rPr lang="" altLang="en-GB" b="1" dirty="0">
-                <a:sym typeface="+mn-ea"/>
-              </a:rPr>
-              <a:t>. </a:t>
-            </a:r>
-            <a:r>
-              <a:rPr lang="en-GB" dirty="0">
-                <a:sym typeface="+mn-ea"/>
-              </a:rPr>
-              <a:t>The algorithms are enhanced by  nested transformation function, </a:t>
-            </a:r>
-            <a:r>
-              <a:rPr lang="en-US" altLang="en-GB" dirty="0">
-                <a:sym typeface="+mn-ea"/>
-              </a:rPr>
-              <a:t>leading to</a:t>
-            </a:r>
-            <a:r>
-              <a:rPr lang="en-GB" dirty="0">
-                <a:sym typeface="+mn-ea"/>
-              </a:rPr>
-              <a:t> </a:t>
-            </a:r>
-            <a:r>
-              <a:rPr lang="" altLang="en-GB" dirty="0">
-                <a:sym typeface="+mn-ea"/>
-              </a:rPr>
-              <a:t>the </a:t>
-            </a:r>
-            <a:r>
-              <a:rPr lang="en-GB" dirty="0">
-                <a:sym typeface="+mn-ea"/>
-              </a:rPr>
-              <a:t>four variants (</a:t>
-            </a:r>
-            <a:r>
-              <a:rPr lang="en-GB" b="1" dirty="0">
-                <a:sym typeface="+mn-ea"/>
-              </a:rPr>
-              <a:t>HBEOSA-DMO</a:t>
-            </a:r>
-            <a:r>
-              <a:rPr lang="en-US" altLang="en-GB" b="1" dirty="0">
-                <a:sym typeface="+mn-ea"/>
-              </a:rPr>
-              <a:t>,</a:t>
-            </a:r>
-            <a:r>
-              <a:rPr lang="en-GB" b="1" dirty="0">
-                <a:sym typeface="+mn-ea"/>
-              </a:rPr>
-              <a:t>HBEOSA-PSO</a:t>
-            </a:r>
-            <a:r>
-              <a:rPr lang="en-US" altLang="en-GB" b="1" dirty="0">
-                <a:sym typeface="+mn-ea"/>
-              </a:rPr>
-              <a:t>,</a:t>
-            </a:r>
-            <a:r>
-              <a:rPr lang="en-GB" b="1" dirty="0">
-                <a:sym typeface="+mn-ea"/>
-              </a:rPr>
-              <a:t>HBEOSA-DMO-NT</a:t>
-            </a:r>
-            <a:r>
-              <a:rPr lang="en-GB" dirty="0">
-                <a:sym typeface="+mn-ea"/>
-              </a:rPr>
-              <a:t> and </a:t>
-            </a:r>
-            <a:r>
-              <a:rPr lang="en-GB" b="1" dirty="0">
-                <a:sym typeface="+mn-ea"/>
-              </a:rPr>
-              <a:t>HBEOSA-PSO-NT</a:t>
-            </a:r>
-            <a:r>
-              <a:rPr lang="en-GB" dirty="0">
-                <a:sym typeface="+mn-ea"/>
-              </a:rPr>
-              <a:t>) </a:t>
-            </a:r>
-            <a:r>
-              <a:rPr lang="" altLang="en-GB" dirty="0">
-                <a:sym typeface="+mn-ea"/>
-              </a:rPr>
-              <a:t>proposed.</a:t>
-            </a:r>
-            <a:endParaRPr lang="en-GB" b="1" dirty="0"/>
-          </a:p>
-          <a:p>
-            <a:endParaRPr lang="en-GB" dirty="0"/>
+            <a:endParaRPr lang="en-GB" sz="1900" dirty="0"/>
+          </a:p>
+          <a:p>
+            <a:r>
+              <a:rPr lang="en-GB" sz="1900" dirty="0"/>
+              <a:t>Proposed by </a:t>
+            </a:r>
+            <a:r>
+              <a:rPr lang="en-GB" sz="1900" b="1" dirty="0"/>
+              <a:t>Hashim and Hussien in 2022</a:t>
+            </a:r>
+            <a:r>
+              <a:rPr lang="en-GB" sz="1900" dirty="0"/>
+              <a:t>, SO simulates how snakes search for food, fight, and mate under varying environmental conditions (e.g., food availability and temperature)</a:t>
+            </a:r>
           </a:p>
           <a:p>
             <a:endParaRPr lang="en-US" dirty="0"/>
@@ -6059,11 +5601,59 @@
           <a:p>
             <a:fld id="{91203007-0B9D-40C6-9C3A-883002F2DA39}" type="slidenum">
               <a:rPr lang="en-US" smtClean="0"/>
+              <a:t>4</a:t>
             </a:fld>
             <a:endParaRPr lang="en-US" dirty="0"/>
           </a:p>
         </p:txBody>
       </p:sp>
+      <p:pic>
+        <p:nvPicPr>
+          <p:cNvPr id="5" name="Picture 2" descr="BEESO: Multi-strategy Boosted Snake ...">
+            <a:extLst>
+              <a:ext uri="{FF2B5EF4-FFF2-40B4-BE49-F238E27FC236}">
+                <a16:creationId xmlns:a16="http://schemas.microsoft.com/office/drawing/2014/main" id="{6909BBC1-4462-9E5A-A522-5415358B329B}"/>
+              </a:ext>
+            </a:extLst>
+          </p:cNvPr>
+          <p:cNvPicPr>
+            <a:picLocks noChangeAspect="1" noChangeArrowheads="1"/>
+          </p:cNvPicPr>
+          <p:nvPr/>
+        </p:nvPicPr>
+        <p:blipFill>
+          <a:blip r:embed="rId2">
+            <a:extLst>
+              <a:ext uri="{28A0092B-C50C-407E-A947-70E740481C1C}">
+                <a14:useLocalDpi xmlns:a14="http://schemas.microsoft.com/office/drawing/2010/main" val="0"/>
+              </a:ext>
+            </a:extLst>
+          </a:blip>
+          <a:srcRect/>
+          <a:stretch>
+            <a:fillRect/>
+          </a:stretch>
+        </p:blipFill>
+        <p:spPr bwMode="auto">
+          <a:xfrm>
+            <a:off x="904858" y="4078215"/>
+            <a:ext cx="6653835" cy="1604529"/>
+          </a:xfrm>
+          <a:prstGeom prst="rect">
+            <a:avLst/>
+          </a:prstGeom>
+          <a:noFill/>
+          <a:extLst>
+            <a:ext uri="{909E8E84-426E-40DD-AFC4-6F175D3DCCD1}">
+              <a14:hiddenFill xmlns:a14="http://schemas.microsoft.com/office/drawing/2010/main">
+                <a:solidFill>
+                  <a:srgbClr val="FFFFFF"/>
+                </a:solidFill>
+              </a14:hiddenFill>
+            </a:ext>
+          </a:extLst>
+        </p:spPr>
+      </p:pic>
     </p:spTree>
   </p:cSld>
   <p:clrMapOvr>
@@ -6099,53 +5689,107 @@
             <p:ph type="title"/>
           </p:nvPr>
         </p:nvSpPr>
+        <p:spPr>
+          <a:xfrm>
+            <a:off x="215660" y="299756"/>
+            <a:ext cx="9952070" cy="1066860"/>
+          </a:xfrm>
+        </p:spPr>
+        <p:txBody>
+          <a:bodyPr>
+            <a:normAutofit/>
+          </a:bodyPr>
+          <a:lstStyle/>
+          <a:p>
+            <a:r>
+              <a:rPr lang="en-GH" sz="3200" dirty="0"/>
+              <a:t>Research Document by:  </a:t>
+            </a:r>
+            <a:r>
+              <a:rPr lang="en-GB" sz="3200" dirty="0"/>
+              <a:t>Xinyu Bao, Hui Kang &amp; </a:t>
+            </a:r>
+            <a:r>
+              <a:rPr lang="en-GB" sz="3200" dirty="0" err="1"/>
+              <a:t>Hongjuan</a:t>
+            </a:r>
+            <a:r>
+              <a:rPr lang="en-GB" sz="3200" dirty="0"/>
+              <a:t> Li : Published  2024</a:t>
+            </a:r>
+            <a:endParaRPr lang="en-US" sz="3200" dirty="0"/>
+          </a:p>
+        </p:txBody>
+      </p:sp>
+      <p:sp>
+        <p:nvSpPr>
+          <p:cNvPr id="3" name="Content Placeholder 2"/>
+          <p:cNvSpPr>
+            <a:spLocks noGrp="1"/>
+          </p:cNvSpPr>
+          <p:nvPr>
+            <p:ph idx="1"/>
+          </p:nvPr>
+        </p:nvSpPr>
         <p:spPr/>
         <p:txBody>
-          <a:bodyPr/>
-          <a:lstStyle/>
-          <a:p>
-            <a:r>
-              <a:rPr lang="en-US" dirty="0"/>
-              <a:t>DATASET</a:t>
-            </a:r>
-            <a:endParaRPr lang="en-US" dirty="0"/>
-          </a:p>
-        </p:txBody>
-      </p:sp>
-      <p:sp>
-        <p:nvSpPr>
-          <p:cNvPr id="3" name="Content Placeholder 2"/>
-          <p:cNvSpPr>
-            <a:spLocks noGrp="1"/>
-          </p:cNvSpPr>
-          <p:nvPr>
-            <p:ph idx="1"/>
-          </p:nvPr>
-        </p:nvSpPr>
-        <p:spPr/>
-        <p:txBody>
-          <a:bodyPr/>
-          <a:lstStyle/>
-          <a:p>
-            <a:r>
-              <a:rPr lang="en-US" dirty="0"/>
-              <a:t>This study uses two types of datasets which are:</a:t>
-            </a:r>
-            <a:endParaRPr lang="en-US" dirty="0"/>
-          </a:p>
-          <a:p>
-            <a:r>
-              <a:rPr lang="en-US" dirty="0"/>
-              <a:t>Text-based dataset(which are classified as high-dimensional, medium dimensional and low-dimensional)</a:t>
-            </a:r>
-            <a:endParaRPr lang="en-US" dirty="0"/>
-          </a:p>
-          <a:p>
-            <a:r>
-              <a:rPr lang="en-US"/>
-              <a:t> Image-based dataset(which are classified as Normal, Mass, Calcification, benign with calcification, and benign with mass). </a:t>
-            </a:r>
-            <a:endParaRPr lang="en-US" dirty="0"/>
+          <a:bodyPr>
+            <a:normAutofit fontScale="92500" lnSpcReduction="10000"/>
+          </a:bodyPr>
+          <a:lstStyle/>
+          <a:p>
+            <a:pPr marL="0" indent="0">
+              <a:buNone/>
+            </a:pPr>
+            <a:r>
+              <a:rPr lang="en-GB" dirty="0"/>
+              <a:t>This  focuses on the use of SO as a mechanism for feature feature selection and or solving optimization problems</a:t>
+            </a:r>
+          </a:p>
+          <a:p>
+            <a:pPr marL="0" indent="0">
+              <a:buNone/>
+            </a:pPr>
+            <a:r>
+              <a:rPr lang="en-GB" dirty="0"/>
+              <a:t>We employ the mechanisms used by this research for calculating </a:t>
+            </a:r>
+          </a:p>
+          <a:p>
+            <a:pPr marL="0" indent="0">
+              <a:buNone/>
+            </a:pPr>
+            <a:r>
+              <a:rPr lang="en-GB" dirty="0"/>
+              <a:t>1. Temperature ( temp)</a:t>
+            </a:r>
+          </a:p>
+          <a:p>
+            <a:pPr marL="0" indent="0">
+              <a:buNone/>
+            </a:pPr>
+            <a:r>
+              <a:rPr lang="en-GB" dirty="0"/>
+              <a:t>2. Food quantity (Q)</a:t>
+            </a:r>
+          </a:p>
+          <a:p>
+            <a:pPr marL="0" indent="0">
+              <a:buNone/>
+            </a:pPr>
+            <a:r>
+              <a:rPr lang="en-GB" dirty="0"/>
+              <a:t>And other factors used  for randomised conditions for feature selection.</a:t>
+            </a:r>
+          </a:p>
+          <a:p>
+            <a:pPr marL="0" indent="0">
+              <a:buNone/>
+            </a:pPr>
+            <a:r>
+              <a:rPr lang="en-GB" dirty="0"/>
+              <a:t>3. Other parameters  thus( thresholds needed for the algorithm to work) </a:t>
+            </a:r>
           </a:p>
         </p:txBody>
       </p:sp>
@@ -6166,6 +5810,7 @@
           <a:p>
             <a:fld id="{91203007-0B9D-40C6-9C3A-883002F2DA39}" type="slidenum">
               <a:rPr lang="en-US" smtClean="0"/>
+              <a:t>5</a:t>
             </a:fld>
             <a:endParaRPr lang="en-US" dirty="0"/>
           </a:p>
@@ -6212,8 +5857,8 @@
           <a:lstStyle/>
           <a:p>
             <a:r>
-              <a:rPr lang="en-US" dirty="0"/>
-              <a:t>METHODOLOGY</a:t>
+              <a:rPr lang="en-GH" dirty="0"/>
+              <a:t>Why BSO </a:t>
             </a:r>
             <a:endParaRPr lang="en-US" dirty="0"/>
           </a:p>
@@ -6237,203 +5882,120 @@
         </p:spPr>
         <p:txBody>
           <a:bodyPr>
-            <a:normAutofit fontScale="52500" lnSpcReduction="20000"/>
+            <a:normAutofit fontScale="97500"/>
           </a:bodyPr>
           <a:lstStyle/>
           <a:p>
             <a:r>
-              <a:rPr lang="en-GB" dirty="0"/>
-              <a:t>The methodology was in two-folds:</a:t>
-            </a:r>
-            <a:endParaRPr lang="en-GB" dirty="0"/>
-          </a:p>
-          <a:p>
-            <a:r>
-              <a:rPr lang="en-GB" dirty="0"/>
-              <a:t>Using the following algorithms, BESOA, </a:t>
-            </a:r>
-            <a:r>
-              <a:rPr lang="" altLang="en-GB" dirty="0"/>
-              <a:t>B</a:t>
-            </a:r>
-            <a:r>
-              <a:rPr lang="en-GB" dirty="0"/>
-              <a:t>DMO, </a:t>
-            </a:r>
-            <a:r>
-              <a:rPr lang="" altLang="en-GB" dirty="0"/>
-              <a:t>B</a:t>
-            </a:r>
-            <a:r>
-              <a:rPr lang="en-GB" dirty="0"/>
-              <a:t>PSO, and transfer functions s1,s2,v1,v2 </a:t>
-            </a:r>
-            <a:endParaRPr lang="en-GB" dirty="0"/>
-          </a:p>
-          <a:p>
-            <a:endParaRPr lang="en-GB" dirty="0"/>
-          </a:p>
-          <a:p>
-            <a:r>
-              <a:rPr lang="en-GB" dirty="0"/>
-              <a:t>And </a:t>
-            </a:r>
-            <a:r>
-              <a:rPr lang="" altLang="en-GB" dirty="0"/>
-              <a:t>with</a:t>
-            </a:r>
-            <a:r>
-              <a:rPr lang="en-GB" dirty="0"/>
-              <a:t> BESOA as the base algorithm the following algorithms where produce </a:t>
-            </a:r>
-            <a:endParaRPr lang="en-GB" dirty="0"/>
+              <a:rPr lang="en-GB" sz="2000" b="1" dirty="0"/>
+              <a:t>Complementary Search Strategies</a:t>
+            </a:r>
+            <a:endParaRPr lang="en-GB" sz="2000" dirty="0"/>
           </a:p>
           <a:p>
             <a:pPr lvl="1"/>
             <a:r>
-              <a:rPr lang="en-GB" sz="3600" dirty="0"/>
-              <a:t>BESOA</a:t>
-            </a:r>
-            <a:endParaRPr lang="en-GB" sz="3600" dirty="0"/>
+              <a:rPr lang="en-GB" sz="2000" dirty="0"/>
+              <a:t>BSO balances exploration (Q &lt; 0.25) and exploitation (Q ≥ 0.25).</a:t>
+            </a:r>
           </a:p>
           <a:p>
             <a:pPr lvl="1"/>
             <a:r>
-              <a:rPr lang="en-GB" sz="3600" dirty="0"/>
-              <a:t>HBESOA-PSO</a:t>
-            </a:r>
-            <a:endParaRPr lang="en-GB" sz="3600" dirty="0"/>
+              <a:rPr lang="en-GB" sz="2000" dirty="0"/>
+              <a:t>HBEOSA uses Ebola-inspired dynamics for search.</a:t>
+            </a:r>
           </a:p>
           <a:p>
             <a:pPr lvl="1"/>
             <a:r>
-              <a:rPr lang="en-GB" sz="3600" dirty="0"/>
-              <a:t>HBESOA-DMO</a:t>
-            </a:r>
-            <a:endParaRPr lang="en-GB" sz="3600" dirty="0"/>
-          </a:p>
-          <a:p>
-            <a:pPr lvl="1"/>
-            <a:r>
-              <a:rPr lang="en-GB" sz="3600" dirty="0"/>
-              <a:t>HBESOA-PSO-NT</a:t>
-            </a:r>
-            <a:endParaRPr lang="en-GB" sz="3600" dirty="0"/>
-          </a:p>
-          <a:p>
-            <a:pPr lvl="1"/>
-            <a:r>
-              <a:rPr lang="en-GB" sz="3600" dirty="0"/>
-              <a:t>HBESOA-DMO-NT</a:t>
-            </a:r>
-            <a:endParaRPr lang="en-GB" sz="3600" dirty="0"/>
-          </a:p>
-          <a:p>
-            <a:pPr lvl="1"/>
-            <a:endParaRPr lang="en-GB" dirty="0"/>
-          </a:p>
-          <a:p>
-            <a:r>
-              <a:rPr lang="en-GB" b="1" dirty="0"/>
-              <a:t>The first fold</a:t>
-            </a:r>
-            <a:r>
-              <a:rPr lang="en-GB" dirty="0"/>
-              <a:t> involves the use of text-based datasets from various sources to evaluate the </a:t>
-            </a:r>
-            <a:r>
-              <a:rPr lang="en-GB" dirty="0">
-                <a:sym typeface="+mn-ea"/>
-              </a:rPr>
-              <a:t> ability </a:t>
-            </a:r>
-            <a:r>
-              <a:rPr lang="" altLang="en-GB" dirty="0">
-                <a:sym typeface="+mn-ea"/>
-              </a:rPr>
-              <a:t>of the</a:t>
-            </a:r>
-            <a:r>
-              <a:rPr lang="en-GB" dirty="0"/>
-              <a:t> above-mentioned algorithms to  select the valid features</a:t>
-            </a:r>
-            <a:r>
-              <a:rPr lang="" altLang="en-GB" dirty="0"/>
-              <a:t>.  By setting   the choice of values for  recruitment and infection </a:t>
-            </a:r>
-            <a:r>
-              <a:rPr lang="en-GB" dirty="0"/>
-              <a:t>rates of BEOSA </a:t>
-            </a:r>
-            <a:r>
-              <a:rPr lang="" altLang="en-GB" dirty="0"/>
-              <a:t>, the </a:t>
-            </a:r>
-            <a:r>
-              <a:rPr lang="en-GB" dirty="0"/>
-              <a:t>initial weight and babysitter exchange parameter for BPSO and BDMO </a:t>
-            </a:r>
-            <a:r>
-              <a:rPr lang="" altLang="en-GB" dirty="0"/>
-              <a:t>to values obtianed from an already existing research which provides values which has proven to be optimal.  Which are  </a:t>
-            </a:r>
-            <a:r>
-              <a:rPr lang="" altLang="en-GB" dirty="0">
-                <a:solidFill>
-                  <a:schemeClr val="accent1"/>
-                </a:solidFill>
-              </a:rPr>
-              <a:t>O. Akinola, O.N. Oyelade, A.E.-S. Ezugwu, Binary ebola optimization search </a:t>
-            </a:r>
-            <a:r>
-              <a:rPr lang="en-GB" dirty="0">
-                <a:solidFill>
-                  <a:schemeClr val="accent1"/>
-                </a:solidFill>
-              </a:rPr>
-              <a:t>algorithm (BEOSA) using novel S-V transformation functions for solving feature selection and classfication problem, Appl. Sci. (2022)</a:t>
-            </a:r>
-            <a:r>
-              <a:rPr lang="en-GB" dirty="0"/>
-              <a:t> </a:t>
-            </a:r>
-            <a:r>
-              <a:rPr lang="" altLang="en-GB" dirty="0"/>
-              <a:t>and </a:t>
-            </a:r>
-            <a:r>
-              <a:rPr lang="" altLang="en-GB" dirty="0">
-                <a:solidFill>
-                  <a:schemeClr val="accent1"/>
-                </a:solidFill>
-              </a:rPr>
-              <a:t>O.A. Akinola, A.E. Ezugwu, O.N. Oyelade, J.O. Agushaka, A hybrid binary dwarf </a:t>
-            </a:r>
-            <a:r>
-              <a:rPr lang="en-GB" dirty="0">
-                <a:solidFill>
-                  <a:schemeClr val="accent1"/>
-                </a:solidFill>
-              </a:rPr>
-              <a:t>mongoose optimization algorithm with simulated annealing for feature selection on high dimensional multi-class datasets, Sci. Rep. (2022)</a:t>
-            </a:r>
-            <a:endParaRPr lang="en-GB" dirty="0">
-              <a:solidFill>
-                <a:schemeClr val="accent1"/>
-              </a:solidFill>
-            </a:endParaRPr>
-          </a:p>
-          <a:p>
-            <a:pPr marL="0" indent="0">
+              <a:rPr lang="en-GB" sz="2000" b="1" dirty="0"/>
+              <a:t>Benefit</a:t>
+            </a:r>
+            <a:r>
+              <a:rPr lang="en-GB" sz="2000" dirty="0"/>
+              <a:t>: Enhances exploration and refines feature subsets.</a:t>
+            </a:r>
+          </a:p>
+          <a:p>
+            <a:pPr marL="457200" lvl="1" indent="0">
               <a:buNone/>
             </a:pPr>
-            <a:endParaRPr lang="en-GB" dirty="0"/>
-          </a:p>
-          <a:p>
-            <a:endParaRPr lang="en-GB" dirty="0"/>
-          </a:p>
-          <a:p>
-            <a:endParaRPr lang="en-GB" dirty="0"/>
+            <a:endParaRPr lang="en-GB" sz="2000" dirty="0"/>
+          </a:p>
+          <a:p>
+            <a:r>
+              <a:rPr lang="en-GB" sz="2000" b="1" dirty="0"/>
+              <a:t>Enhanced Solution Diversity</a:t>
+            </a:r>
+            <a:endParaRPr lang="en-GB" sz="2000" dirty="0"/>
+          </a:p>
+          <a:p>
+            <a:pPr lvl="1"/>
+            <a:r>
+              <a:rPr lang="en-GB" sz="2000" dirty="0"/>
+              <a:t>BSO’s fight/mating modes promote diverse feature combinations.</a:t>
+            </a:r>
+          </a:p>
+          <a:p>
+            <a:pPr lvl="1"/>
+            <a:r>
+              <a:rPr lang="en-GB" sz="2000" dirty="0"/>
+              <a:t>HBEOSA’s infection/recovery adds unique dynamics.</a:t>
+            </a:r>
+          </a:p>
+          <a:p>
+            <a:pPr lvl="1"/>
+            <a:r>
+              <a:rPr lang="en-GB" sz="2000" b="1" dirty="0"/>
+              <a:t>Benefit</a:t>
+            </a:r>
+            <a:r>
+              <a:rPr lang="en-GB" sz="2000" dirty="0"/>
+              <a:t>: Reduces redundant or suboptimal feature subsets.</a:t>
+            </a:r>
+          </a:p>
+          <a:p>
+            <a:pPr marL="457200" lvl="1" indent="0">
+              <a:buNone/>
+            </a:pPr>
+            <a:endParaRPr lang="en-GB" sz="2000" dirty="0"/>
+          </a:p>
+          <a:p>
+            <a:r>
+              <a:rPr lang="en-GB" sz="2000" b="1" dirty="0"/>
+              <a:t>High-Dimensional Efficiency</a:t>
+            </a:r>
+            <a:endParaRPr lang="en-GB" sz="2000" dirty="0"/>
+          </a:p>
+          <a:p>
+            <a:pPr lvl="1"/>
+            <a:r>
+              <a:rPr lang="en-GB" sz="2000" dirty="0"/>
+              <a:t>BSO navigates large feature spaces effectively.</a:t>
+            </a:r>
+          </a:p>
+          <a:p>
+            <a:pPr lvl="1"/>
+            <a:r>
+              <a:rPr lang="en-GB" sz="2000" dirty="0"/>
+              <a:t>HBEOSA excels in binary optimization.</a:t>
+            </a:r>
+          </a:p>
+          <a:p>
+            <a:pPr lvl="1"/>
+            <a:r>
+              <a:rPr lang="en-GB" sz="2000" b="1" dirty="0"/>
+              <a:t>Benefit</a:t>
+            </a:r>
+            <a:r>
+              <a:rPr lang="en-GB" sz="2000" dirty="0"/>
+              <a:t>: Scales well for high-dimensional datasets</a:t>
+            </a:r>
+          </a:p>
+          <a:p>
+            <a:pPr lvl="1"/>
+            <a:endParaRPr lang="en-GB" sz="2000" dirty="0"/>
           </a:p>
         </p:txBody>
       </p:sp>
@@ -6454,6 +6016,7 @@
           <a:p>
             <a:fld id="{91203007-0B9D-40C6-9C3A-883002F2DA39}" type="slidenum">
               <a:rPr lang="en-US" smtClean="0"/>
+              <a:t>6</a:t>
             </a:fld>
             <a:endParaRPr lang="en-US" dirty="0"/>
           </a:p>
@@ -6494,161 +6057,18 @@
             <p:ph type="title"/>
           </p:nvPr>
         </p:nvSpPr>
-        <p:spPr>
-          <a:xfrm>
-            <a:off x="215900" y="299720"/>
-            <a:ext cx="8331835" cy="850265"/>
-          </a:xfrm>
-        </p:spPr>
-        <p:txBody>
-          <a:bodyPr/>
-          <a:lstStyle/>
-          <a:p>
-            <a:r>
-              <a:rPr lang="en-US" dirty="0"/>
-              <a:t>METHODOLOGY</a:t>
-            </a:r>
-            <a:endParaRPr lang="en-US" dirty="0"/>
-          </a:p>
-        </p:txBody>
-      </p:sp>
-      <p:sp>
-        <p:nvSpPr>
-          <p:cNvPr id="3" name="Content Placeholder 2"/>
-          <p:cNvSpPr>
-            <a:spLocks noGrp="1"/>
-          </p:cNvSpPr>
-          <p:nvPr>
-            <p:ph idx="1"/>
-          </p:nvPr>
-        </p:nvSpPr>
-        <p:spPr>
-          <a:xfrm>
-            <a:off x="215900" y="1635125"/>
-            <a:ext cx="11677650" cy="4857750"/>
-          </a:xfrm>
-        </p:spPr>
+        <p:spPr/>
         <p:txBody>
           <a:bodyPr>
-            <a:normAutofit lnSpcReduction="20000"/>
+            <a:normAutofit/>
           </a:bodyPr>
           <a:lstStyle/>
           <a:p>
-            <a:pPr marL="0" indent="0">
-              <a:buNone/>
-            </a:pPr>
-            <a:r>
-              <a:rPr lang="en-GB" sz="1800" b="1" dirty="0"/>
-              <a:t>Image Based Dataset </a:t>
-            </a:r>
-            <a:r>
-              <a:rPr lang="" altLang="en-GB" sz="1800" b="1" dirty="0"/>
-              <a:t>(Fold Two)</a:t>
-            </a:r>
-            <a:endParaRPr lang="en-GB" sz="1800" dirty="0"/>
-          </a:p>
-          <a:p>
-            <a:r>
-              <a:rPr lang="en-GB" sz="1800" dirty="0"/>
-              <a:t>To eliminate noise from the MIAS and DDSM+CBIS datasets, this study used an image enhancement technique, namely, contrast-limited adaptive histogram equalization (CLAHE). The outcome of the images from the CLAHE operation, a wavelet decomposition packet function is applied to extract high resolution and rich feature representation of each image passed through the seam carving procedure.</a:t>
-            </a:r>
-            <a:endParaRPr lang="en-GB" sz="1800" dirty="0"/>
-          </a:p>
-          <a:p>
-            <a:r>
-              <a:rPr lang="en-GB" sz="1800" dirty="0"/>
-              <a:t>Pre-trained Convolutional Neural Network(CNN) model for transforming the images into high-dimensional feature vectors.</a:t>
-            </a:r>
-            <a:endParaRPr lang="en-GB" sz="1800" dirty="0"/>
-          </a:p>
-          <a:p>
-            <a:r>
-              <a:rPr lang="en-GB" sz="1800" dirty="0"/>
-              <a:t>A transform function converts the selected features from continuous space to binary space</a:t>
-            </a:r>
-            <a:endParaRPr lang="en-GB" sz="1800" dirty="0"/>
-          </a:p>
-          <a:p>
-            <a:r>
-              <a:rPr lang="en-GB" sz="1800" dirty="0"/>
-              <a:t> The binary space feature is </a:t>
-            </a:r>
-            <a:r>
-              <a:rPr lang="" altLang="en-GB" sz="1800" dirty="0"/>
-              <a:t>sent </a:t>
-            </a:r>
-            <a:r>
-              <a:rPr lang="en-GB" sz="1800" dirty="0"/>
-              <a:t>through the following hybrid binary optimization algorithms </a:t>
-            </a:r>
-            <a:r>
-              <a:rPr lang="" altLang="en-GB" sz="1800" dirty="0"/>
-              <a:t>using the defined parameters required for these algorithms in the first fold.</a:t>
-            </a:r>
-            <a:endParaRPr lang="en-GB" sz="1800" dirty="0"/>
-          </a:p>
-          <a:p>
-            <a:pPr lvl="1"/>
-            <a:r>
-              <a:rPr lang="en-GB" sz="1600" dirty="0"/>
-              <a:t>BESOA</a:t>
-            </a:r>
-            <a:endParaRPr lang="en-GB" sz="1600" dirty="0"/>
-          </a:p>
-          <a:p>
-            <a:pPr lvl="1"/>
-            <a:r>
-              <a:rPr lang="en-GB" sz="1600" dirty="0"/>
-              <a:t>HBESOA-PSO</a:t>
-            </a:r>
-            <a:endParaRPr lang="en-GB" sz="1600" dirty="0"/>
-          </a:p>
-          <a:p>
-            <a:pPr lvl="1"/>
-            <a:r>
-              <a:rPr lang="en-GB" sz="1600" dirty="0"/>
-              <a:t>HBESOA-DMO</a:t>
-            </a:r>
-            <a:endParaRPr lang="en-GB" sz="1600" dirty="0"/>
-          </a:p>
-          <a:p>
-            <a:pPr lvl="1"/>
-            <a:r>
-              <a:rPr lang="en-GB" sz="1600" dirty="0"/>
-              <a:t>HBESOA-PSO-NT</a:t>
-            </a:r>
-            <a:endParaRPr lang="en-GB" sz="1600" dirty="0"/>
-          </a:p>
-          <a:p>
-            <a:pPr lvl="1"/>
-            <a:r>
-              <a:rPr lang="en-GB" sz="1600" dirty="0"/>
-              <a:t>HBESOA-DMO-N</a:t>
-            </a:r>
-            <a:r>
-              <a:rPr lang="" altLang="en-GB" sz="1600" dirty="0"/>
-              <a:t>T</a:t>
-            </a:r>
-            <a:endParaRPr lang="en-GB" sz="1600" dirty="0"/>
-          </a:p>
-          <a:p>
-            <a:r>
-              <a:rPr lang="en-GB" sz="1800" dirty="0"/>
-              <a:t>The selected features in the binary space are mapped against the extracted features to select the most relevant features which are then passed to the classifiers(KNN, MLP, </a:t>
-            </a:r>
-            <a:r>
-              <a:rPr lang="en-GB" sz="1800" dirty="0" err="1"/>
-              <a:t>Dtrees</a:t>
-            </a:r>
-            <a:r>
-              <a:rPr lang="en-GB" sz="1800" dirty="0"/>
-              <a:t>) </a:t>
-            </a:r>
-            <a:r>
-              <a:rPr lang="" altLang="en-GB" sz="1800" dirty="0"/>
-              <a:t>for traning and finally used to make the predictions.</a:t>
-            </a:r>
-            <a:endParaRPr lang="" altLang="en-GB" sz="1800" dirty="0"/>
+            <a:r>
+              <a:rPr lang="en-GH" sz="3200" dirty="0"/>
+              <a:t>Flow Chat For intergration </a:t>
+            </a:r>
+            <a:endParaRPr lang="en-US" sz="3000" dirty="0"/>
           </a:p>
         </p:txBody>
       </p:sp>
@@ -6669,11 +6089,67 @@
           <a:p>
             <a:fld id="{91203007-0B9D-40C6-9C3A-883002F2DA39}" type="slidenum">
               <a:rPr lang="en-US" smtClean="0"/>
+              <a:t>7</a:t>
             </a:fld>
             <a:endParaRPr lang="en-US" dirty="0"/>
           </a:p>
         </p:txBody>
       </p:sp>
+      <p:sp>
+        <p:nvSpPr>
+          <p:cNvPr id="5" name="Content Placeholder 4">
+            <a:extLst>
+              <a:ext uri="{FF2B5EF4-FFF2-40B4-BE49-F238E27FC236}">
+                <a16:creationId xmlns:a16="http://schemas.microsoft.com/office/drawing/2014/main" id="{4E9D0E82-954B-C3E2-B2F6-1552B2522D53}"/>
+              </a:ext>
+            </a:extLst>
+          </p:cNvPr>
+          <p:cNvSpPr>
+            <a:spLocks noGrp="1"/>
+          </p:cNvSpPr>
+          <p:nvPr>
+            <p:ph idx="1"/>
+          </p:nvPr>
+        </p:nvSpPr>
+        <p:spPr/>
+        <p:txBody>
+          <a:bodyPr/>
+          <a:lstStyle/>
+          <a:p>
+            <a:endParaRPr lang="en-GH"/>
+          </a:p>
+        </p:txBody>
+      </p:sp>
+      <p:pic>
+        <p:nvPicPr>
+          <p:cNvPr id="7" name="Content Placeholder 4" descr="A diagram of a process&#10;&#10;AI-generated content may be incorrect.">
+            <a:extLst>
+              <a:ext uri="{FF2B5EF4-FFF2-40B4-BE49-F238E27FC236}">
+                <a16:creationId xmlns:a16="http://schemas.microsoft.com/office/drawing/2014/main" id="{0670E1BF-BDAA-533F-41EF-0F5B3DA618FE}"/>
+              </a:ext>
+            </a:extLst>
+          </p:cNvPr>
+          <p:cNvPicPr>
+            <a:picLocks noChangeAspect="1"/>
+          </p:cNvPicPr>
+          <p:nvPr/>
+        </p:nvPicPr>
+        <p:blipFill>
+          <a:blip r:embed="rId2"/>
+          <a:stretch>
+            <a:fillRect/>
+          </a:stretch>
+        </p:blipFill>
+        <p:spPr>
+          <a:xfrm>
+            <a:off x="215659" y="1616776"/>
+            <a:ext cx="11522453" cy="4829318"/>
+          </a:xfrm>
+          <a:prstGeom prst="rect">
+            <a:avLst/>
+          </a:prstGeom>
+        </p:spPr>
+      </p:pic>
     </p:spTree>
   </p:cSld>
   <p:clrMapOvr>
@@ -6712,47 +6188,92 @@
         <p:spPr/>
         <p:txBody>
           <a:bodyPr>
-            <a:normAutofit/>
+            <a:normAutofit fontScale="90000"/>
           </a:bodyPr>
           <a:lstStyle/>
           <a:p>
             <a:r>
-              <a:rPr lang="en-US" sz="3000" dirty="0"/>
-              <a:t>FEATURE EXTRACTION, OPTIMIZATION AND CLASSIFICATION PIPELINE</a:t>
-            </a:r>
-            <a:endParaRPr lang="en-US" sz="3000" dirty="0"/>
-          </a:p>
-        </p:txBody>
-      </p:sp>
-      <p:pic>
-        <p:nvPicPr>
-          <p:cNvPr id="6" name="Content Placeholder 5"/>
-          <p:cNvPicPr>
-            <a:picLocks noGrp="1" noChangeAspect="1"/>
-          </p:cNvPicPr>
+              <a:rPr lang="en-GH" dirty="0"/>
+              <a:t>ACO ( Ant Colony Optimization )</a:t>
+            </a:r>
+            <a:endParaRPr lang="en-US" dirty="0"/>
+          </a:p>
+        </p:txBody>
+      </p:sp>
+      <p:sp>
+        <p:nvSpPr>
+          <p:cNvPr id="3" name="Content Placeholder 2"/>
+          <p:cNvSpPr>
+            <a:spLocks noGrp="1"/>
+          </p:cNvSpPr>
           <p:nvPr>
             <p:ph idx="1"/>
           </p:nvPr>
-        </p:nvPicPr>
-        <p:blipFill>
-          <a:blip r:embed="rId1">
-            <a:extLst>
-              <a:ext uri="{28A0092B-C50C-407E-A947-70E740481C1C}">
-                <a14:useLocalDpi xmlns:a14="http://schemas.microsoft.com/office/drawing/2010/main" val="0"/>
-              </a:ext>
-            </a:extLst>
-          </a:blip>
-          <a:stretch>
-            <a:fillRect/>
-          </a:stretch>
-        </p:blipFill>
-        <p:spPr>
-          <a:xfrm>
-            <a:off x="215660" y="1644228"/>
-            <a:ext cx="10677622" cy="4829175"/>
-          </a:xfrm>
-        </p:spPr>
-      </p:pic>
+        </p:nvSpPr>
+        <p:spPr/>
+        <p:txBody>
+          <a:bodyPr>
+            <a:normAutofit fontScale="92500" lnSpcReduction="10000"/>
+          </a:bodyPr>
+          <a:lstStyle/>
+          <a:p>
+            <a:r>
+              <a:rPr lang="en-GB" sz="2800" b="1" dirty="0"/>
+              <a:t>Ant Colony Optimization (ACO)</a:t>
+            </a:r>
+            <a:r>
+              <a:rPr lang="en-GB" sz="2800" dirty="0"/>
+              <a:t> is a nature-inspired metaheuristic that mimics how real ants find the shortest path between their nest and food sources. Ants lay down a chemical called </a:t>
+            </a:r>
+            <a:r>
+              <a:rPr lang="en-GB" sz="2800" b="1" dirty="0"/>
+              <a:t>pheromone</a:t>
+            </a:r>
+            <a:r>
+              <a:rPr lang="en-GB" sz="2800" dirty="0"/>
+              <a:t>, and over time, paths with stronger pheromone attract more ants, reinforcing good solutions.</a:t>
+            </a:r>
+          </a:p>
+          <a:p>
+            <a:pPr marL="0" indent="0">
+              <a:buNone/>
+            </a:pPr>
+            <a:endParaRPr lang="en-GB" sz="2800" dirty="0"/>
+          </a:p>
+          <a:p>
+            <a:r>
+              <a:rPr lang="en-GB" sz="2800" dirty="0"/>
+              <a:t>ACO is widely used to solve </a:t>
+            </a:r>
+            <a:r>
+              <a:rPr lang="en-GB" sz="2800" b="1" dirty="0"/>
+              <a:t>combinatorial optimization problems</a:t>
+            </a:r>
+            <a:r>
+              <a:rPr lang="en-GB" sz="2800" dirty="0"/>
+              <a:t> like: Traveling Salesman Problem (TSP) , Scheduling , Routing , Feature Selection. </a:t>
+            </a:r>
+          </a:p>
+          <a:p>
+            <a:pPr marL="0" indent="0">
+              <a:buNone/>
+            </a:pPr>
+            <a:endParaRPr lang="en-GB" sz="2800" dirty="0"/>
+          </a:p>
+          <a:p>
+            <a:pPr marL="0" indent="0">
+              <a:buNone/>
+            </a:pPr>
+            <a:r>
+              <a:rPr lang="en-GB" sz="2800" dirty="0"/>
+              <a:t>Focusing on parameters like : Pheromone trail value, Importance of pheromone, Importance of heuristic information, Heuristic value, Pheromone evaporation rate  etc.</a:t>
+            </a:r>
+          </a:p>
+          <a:p>
+            <a:endParaRPr lang="en-GH" sz="2800" dirty="0"/>
+          </a:p>
+        </p:txBody>
+      </p:sp>
       <p:sp>
         <p:nvSpPr>
           <p:cNvPr id="4" name="Slide Number Placeholder 3"/>
@@ -6770,6 +6291,7 @@
           <a:p>
             <a:fld id="{91203007-0B9D-40C6-9C3A-883002F2DA39}" type="slidenum">
               <a:rPr lang="en-US" smtClean="0"/>
+              <a:t>8</a:t>
             </a:fld>
             <a:endParaRPr lang="en-US" dirty="0"/>
           </a:p>
@@ -6802,7 +6324,13 @@
       </p:grpSpPr>
       <p:sp>
         <p:nvSpPr>
-          <p:cNvPr id="2" name="Title 1"/>
+          <p:cNvPr id="2" name="Title 1">
+            <a:extLst>
+              <a:ext uri="{FF2B5EF4-FFF2-40B4-BE49-F238E27FC236}">
+                <a16:creationId xmlns:a16="http://schemas.microsoft.com/office/drawing/2014/main" id="{00D3D96D-E775-0C5A-1E2A-0194F446B069}"/>
+              </a:ext>
+            </a:extLst>
+          </p:cNvPr>
           <p:cNvSpPr>
             <a:spLocks noGrp="1"/>
           </p:cNvSpPr>
@@ -6810,79 +6338,217 @@
             <p:ph type="title"/>
           </p:nvPr>
         </p:nvSpPr>
+        <p:spPr>
+          <a:xfrm>
+            <a:off x="215660" y="299756"/>
+            <a:ext cx="10488783" cy="1066860"/>
+          </a:xfrm>
+        </p:spPr>
+        <p:txBody>
+          <a:bodyPr>
+            <a:noAutofit/>
+          </a:bodyPr>
+          <a:lstStyle/>
+          <a:p>
+            <a:br>
+              <a:rPr lang="en-GB" sz="3200" dirty="0"/>
+            </a:br>
+            <a:r>
+              <a:rPr lang="en-GB" sz="3200" dirty="0"/>
+              <a:t>Research: Feature Selection for Classification Using an Ant Colony System , </a:t>
+            </a:r>
+            <a:br>
+              <a:rPr lang="en-GB" sz="3200" dirty="0"/>
+            </a:br>
+            <a:endParaRPr lang="en-GH" sz="3200" dirty="0"/>
+          </a:p>
+        </p:txBody>
+      </p:sp>
+      <p:sp>
+        <p:nvSpPr>
+          <p:cNvPr id="3" name="Content Placeholder 2">
+            <a:extLst>
+              <a:ext uri="{FF2B5EF4-FFF2-40B4-BE49-F238E27FC236}">
+                <a16:creationId xmlns:a16="http://schemas.microsoft.com/office/drawing/2014/main" id="{F168C481-B7EC-94E3-1CCF-67578C111D79}"/>
+              </a:ext>
+            </a:extLst>
+          </p:cNvPr>
+          <p:cNvSpPr>
+            <a:spLocks noGrp="1"/>
+          </p:cNvSpPr>
+          <p:nvPr>
+            <p:ph idx="1"/>
+          </p:nvPr>
+        </p:nvSpPr>
         <p:spPr/>
         <p:txBody>
-          <a:bodyPr/>
-          <a:lstStyle/>
-          <a:p>
+          <a:bodyPr>
+            <a:normAutofit fontScale="47500" lnSpcReduction="20000"/>
+          </a:bodyPr>
+          <a:lstStyle/>
+          <a:p>
+            <a:r>
+              <a:rPr lang="en-GB" b="1" dirty="0"/>
+              <a:t>Authors: </a:t>
+            </a:r>
             <a:r>
               <a:rPr lang="en-GB" dirty="0"/>
-              <a:t>RESEARCH OBJECTIVES</a:t>
-            </a:r>
-            <a:endParaRPr lang="en-US" dirty="0"/>
-          </a:p>
-        </p:txBody>
-      </p:sp>
-      <p:sp>
-        <p:nvSpPr>
-          <p:cNvPr id="3" name="Content Placeholder 2"/>
-          <p:cNvSpPr>
-            <a:spLocks noGrp="1"/>
-          </p:cNvSpPr>
-          <p:nvPr>
-            <p:ph idx="1"/>
-          </p:nvPr>
-        </p:nvSpPr>
-        <p:spPr/>
-        <p:txBody>
-          <a:bodyPr>
-            <a:normAutofit/>
-          </a:bodyPr>
-          <a:lstStyle/>
-          <a:p>
-            <a:r>
-              <a:rPr lang="" altLang="en-GB" sz="2500" dirty="0"/>
-              <a:t>a. </a:t>
-            </a:r>
-            <a:r>
-              <a:rPr lang="en-GB" sz="2500" dirty="0"/>
-              <a:t>Designed a novel adaptation of the medical image feature representation in continuous space to a binary search space for the hybrid binary optimization strategies. </a:t>
-            </a:r>
-            <a:endParaRPr lang="en-GB" sz="2500" dirty="0"/>
-          </a:p>
-          <a:p>
-            <a:r>
-              <a:rPr lang="en-GB" sz="2500" dirty="0"/>
-              <a:t>b. Proposed two hybrid binary optimization algorithms namely HBEOSA-DMO and HBEOSA-PSO. </a:t>
-            </a:r>
-            <a:endParaRPr lang="en-GB" sz="2500" dirty="0"/>
-          </a:p>
-          <a:p>
-            <a:r>
-              <a:rPr lang="en-GB" sz="2500" dirty="0"/>
-              <a:t>c. Investigated the influence of the new nested function on the two proposed hybrid methods so that four variants were derived namely HBEOSA-DMO HBEOSA-DMO-NT HBEOSA-PSO and HBEOSA-PSONT.</a:t>
-            </a:r>
-            <a:endParaRPr lang="en-GB" sz="2500" dirty="0"/>
-          </a:p>
-          <a:p>
-            <a:r>
-              <a:rPr lang="en-GB" sz="2500" dirty="0"/>
-              <a:t>d. Comparatively investigated the capability of the four binary optimizers with other recent binary methods. </a:t>
-            </a:r>
-            <a:endParaRPr lang="en-GB" sz="2500" dirty="0"/>
-          </a:p>
-          <a:p>
-            <a:r>
-              <a:rPr lang="en-GB" sz="2500" dirty="0"/>
-              <a:t>e. Experimentally studied the impact of the new hybrid binary optimizers on improving classification accuracy of applying CNN to digital mammography</a:t>
-            </a:r>
-            <a:endParaRPr lang="en-US" sz="2500" dirty="0"/>
-          </a:p>
-        </p:txBody>
-      </p:sp>
-      <p:sp>
-        <p:nvSpPr>
-          <p:cNvPr id="4" name="Slide Number Placeholder 3"/>
+              <a:t>Nadia Abd-</a:t>
+            </a:r>
+            <a:r>
+              <a:rPr lang="en-GB" dirty="0" err="1"/>
+              <a:t>Alsabour</a:t>
+            </a:r>
+            <a:r>
+              <a:rPr lang="en-GB" dirty="0"/>
+              <a:t> &amp; Marcus Randall</a:t>
+            </a:r>
+            <a:br>
+              <a:rPr lang="en-GB" dirty="0"/>
+            </a:br>
+            <a:r>
+              <a:rPr lang="en-GB" dirty="0"/>
+              <a:t>School of Information Technology, Bond University, Australia</a:t>
+            </a:r>
+          </a:p>
+          <a:p>
+            <a:pPr marL="0" indent="0">
+              <a:buNone/>
+            </a:pPr>
+            <a:endParaRPr lang="en-GB" dirty="0"/>
+          </a:p>
+          <a:p>
+            <a:r>
+              <a:rPr lang="en-GB" b="1" dirty="0"/>
+              <a:t>Key Contributions of the Paper:</a:t>
+            </a:r>
+          </a:p>
+          <a:p>
+            <a:r>
+              <a:rPr lang="en-GB" dirty="0"/>
+              <a:t>Proposed a </a:t>
+            </a:r>
+            <a:r>
+              <a:rPr lang="en-GB" b="1" dirty="0"/>
+              <a:t>Binary ACO variant</a:t>
+            </a:r>
+            <a:r>
+              <a:rPr lang="en-GB" dirty="0"/>
+              <a:t> tailored for feature selection.</a:t>
+            </a:r>
+          </a:p>
+          <a:p>
+            <a:r>
+              <a:rPr lang="en-GB" b="1" dirty="0"/>
+              <a:t>No construction graph</a:t>
+            </a:r>
+            <a:r>
+              <a:rPr lang="en-GB" dirty="0"/>
+              <a:t> — instead used binary vectors (1 = select, 0 = skip).</a:t>
+            </a:r>
+          </a:p>
+          <a:p>
+            <a:r>
+              <a:rPr lang="en-GB" b="1" dirty="0"/>
+              <a:t>New move probability rule</a:t>
+            </a:r>
+            <a:endParaRPr lang="en-GB" dirty="0"/>
+          </a:p>
+          <a:p>
+            <a:r>
+              <a:rPr lang="en-GB" dirty="0"/>
+              <a:t>Used both:</a:t>
+            </a:r>
+          </a:p>
+          <a:p>
+            <a:pPr lvl="1"/>
+            <a:r>
+              <a:rPr lang="en-GB" b="1" dirty="0"/>
+              <a:t>Local pheromone update</a:t>
+            </a:r>
+            <a:r>
+              <a:rPr lang="en-GB" dirty="0"/>
+              <a:t> (exploration)</a:t>
+            </a:r>
+          </a:p>
+          <a:p>
+            <a:pPr lvl="1"/>
+            <a:r>
+              <a:rPr lang="en-GB" b="1" dirty="0"/>
+              <a:t>Global update by best ant</a:t>
+            </a:r>
+            <a:r>
+              <a:rPr lang="en-GB" dirty="0"/>
+              <a:t> (exploitation)</a:t>
+            </a:r>
+          </a:p>
+          <a:p>
+            <a:r>
+              <a:rPr lang="en-GB" dirty="0"/>
+              <a:t>Wrapper-based approach using </a:t>
+            </a:r>
+            <a:r>
+              <a:rPr lang="en-GB" b="1" dirty="0"/>
+              <a:t>SVM accuracy</a:t>
+            </a:r>
+            <a:r>
+              <a:rPr lang="en-GB" dirty="0"/>
+              <a:t> as the fitness function.</a:t>
+            </a:r>
+          </a:p>
+          <a:p>
+            <a:pPr marL="0" indent="0">
+              <a:buNone/>
+            </a:pPr>
+            <a:endParaRPr lang="en-GB" dirty="0"/>
+          </a:p>
+          <a:p>
+            <a:r>
+              <a:rPr lang="en-GB" dirty="0"/>
+              <a:t>Tested on 10 datasets (UCI + statistical) and </a:t>
+            </a:r>
+            <a:r>
+              <a:rPr lang="en-GB" b="1" dirty="0"/>
+              <a:t>outperformed traditional methods</a:t>
+            </a:r>
+            <a:r>
+              <a:rPr lang="en-GB" dirty="0"/>
+              <a:t> like GA, PSO, and CBPSO in accuracy.</a:t>
+            </a:r>
+          </a:p>
+          <a:p>
+            <a:pPr marL="0" indent="0">
+              <a:buNone/>
+            </a:pPr>
+            <a:endParaRPr lang="en-GB" dirty="0"/>
+          </a:p>
+          <a:p>
+            <a:r>
+              <a:rPr lang="en-GB" b="1" dirty="0"/>
+              <a:t>Published in:   </a:t>
+            </a:r>
+            <a:r>
+              <a:rPr lang="en-GB" dirty="0"/>
+              <a:t>6th IEEE International Conference on e-Science Workshops, 2010</a:t>
+            </a:r>
+          </a:p>
+          <a:p>
+            <a:pPr marL="0" indent="0">
+              <a:buNone/>
+            </a:pPr>
+            <a:endParaRPr lang="en-GH" sz="2000" dirty="0"/>
+          </a:p>
+        </p:txBody>
+      </p:sp>
+      <p:sp>
+        <p:nvSpPr>
+          <p:cNvPr id="4" name="Slide Number Placeholder 3">
+            <a:extLst>
+              <a:ext uri="{FF2B5EF4-FFF2-40B4-BE49-F238E27FC236}">
+                <a16:creationId xmlns:a16="http://schemas.microsoft.com/office/drawing/2014/main" id="{4F488B84-FD89-D98B-FD97-F8D3AF45D9DA}"/>
+              </a:ext>
+            </a:extLst>
+          </p:cNvPr>
           <p:cNvSpPr>
             <a:spLocks noGrp="1"/>
           </p:cNvSpPr>
@@ -6897,12 +6563,18 @@
           <a:p>
             <a:fld id="{91203007-0B9D-40C6-9C3A-883002F2DA39}" type="slidenum">
               <a:rPr lang="en-US" smtClean="0"/>
+              <a:t>9</a:t>
             </a:fld>
             <a:endParaRPr lang="en-US" dirty="0"/>
           </a:p>
         </p:txBody>
       </p:sp>
     </p:spTree>
+    <p:extLst>
+      <p:ext uri="{BB962C8B-B14F-4D97-AF65-F5344CB8AC3E}">
+        <p14:creationId xmlns:p14="http://schemas.microsoft.com/office/powerpoint/2010/main" val="3502591571"/>
+      </p:ext>
+    </p:extLst>
   </p:cSld>
   <p:clrMapOvr>
     <a:masterClrMapping/>
@@ -7101,6 +6773,8 @@
       </a:bgFillStyleLst>
     </a:fmtScheme>
   </a:themeElements>
+  <a:objectDefaults/>
+  <a:extraClrSchemeLst/>
   <a:extLst>
     <a:ext uri="{05A4C25C-085E-4340-85A3-A5531E510DB2}">
       <thm15:themeFamily xmlns:thm15="http://schemas.microsoft.com/office/thememl/2012/main" name="Office Theme" id="{62F939B6-93AF-4DB8-9C6B-D6C7DFDC589F}" vid="{4A3C46E8-61CC-4603-A589-7422A47A8E4A}"/>
@@ -7360,6 +7034,8 @@
       </a:bgFillStyleLst>
     </a:fmtScheme>
   </a:themeElements>
+  <a:objectDefaults/>
+  <a:extraClrSchemeLst/>
   <a:extLst>
     <a:ext uri="{05A4C25C-085E-4340-85A3-A5531E510DB2}">
       <thm15:themeFamily xmlns:thm15="http://schemas.microsoft.com/office/thememl/2012/main" name="Office Theme" id="{62F939B6-93AF-4DB8-9C6B-D6C7DFDC589F}" vid="{4A3C46E8-61CC-4603-A589-7422A47A8E4A}"/>
